--- a/Presentations/MICCAI Paper Reviews.pptx
+++ b/Presentations/MICCAI Paper Reviews.pptx
@@ -5,7 +5,7 @@
     <p:sldMasterId id="2147483648" r:id="rId1"/>
   </p:sldMasterIdLst>
   <p:notesMasterIdLst>
-    <p:notesMasterId r:id="rId12"/>
+    <p:notesMasterId r:id="rId24"/>
   </p:notesMasterIdLst>
   <p:sldIdLst>
     <p:sldId id="256" r:id="rId2"/>
@@ -18,6 +18,18 @@
     <p:sldId id="263" r:id="rId9"/>
     <p:sldId id="264" r:id="rId10"/>
     <p:sldId id="265" r:id="rId11"/>
+    <p:sldId id="266" r:id="rId12"/>
+    <p:sldId id="267" r:id="rId13"/>
+    <p:sldId id="268" r:id="rId14"/>
+    <p:sldId id="269" r:id="rId15"/>
+    <p:sldId id="270" r:id="rId16"/>
+    <p:sldId id="271" r:id="rId17"/>
+    <p:sldId id="272" r:id="rId18"/>
+    <p:sldId id="273" r:id="rId19"/>
+    <p:sldId id="274" r:id="rId20"/>
+    <p:sldId id="275" r:id="rId21"/>
+    <p:sldId id="276" r:id="rId22"/>
+    <p:sldId id="277" r:id="rId23"/>
   </p:sldIdLst>
   <p:sldSz cx="12192000" cy="6858000"/>
   <p:notesSz cx="6858000" cy="9144000"/>
@@ -116,6 +128,11 @@
       </a:defRPr>
     </a:lvl9pPr>
   </p:defaultTextStyle>
+  <p:extLst>
+    <p:ext uri="{EFAFB233-063F-42B5-8137-9DF3F51BA10A}">
+      <p15:sldGuideLst xmlns:p15="http://schemas.microsoft.com/office/powerpoint/2012/main"/>
+    </p:ext>
+  </p:extLst>
 </p:presentation>
 </file>
 
@@ -201,7 +218,7 @@
           <a:p>
             <a:fld id="{3D405DCD-F1B7-47E0-ADBB-D623384DF8E1}" type="datetimeFigureOut">
               <a:rPr lang="en-US" smtClean="0"/>
-              <a:t>7/19/2023</a:t>
+              <a:t>7/20/2023</a:t>
             </a:fld>
             <a:endParaRPr lang="en-US"/>
           </a:p>
@@ -615,7 +632,7 @@
           <a:p>
             <a:fld id="{3798F4A7-552B-415B-B44A-4766616958B1}" type="datetime1">
               <a:rPr lang="en-US" smtClean="0"/>
-              <a:t>7/19/2023</a:t>
+              <a:t>7/20/2023</a:t>
             </a:fld>
             <a:endParaRPr lang="en-US"/>
           </a:p>
@@ -813,7 +830,7 @@
           <a:p>
             <a:fld id="{28A7FFDC-353F-4EF3-9800-881A6E9EB5A1}" type="datetime1">
               <a:rPr lang="en-US" smtClean="0"/>
-              <a:t>7/19/2023</a:t>
+              <a:t>7/20/2023</a:t>
             </a:fld>
             <a:endParaRPr lang="en-US"/>
           </a:p>
@@ -1021,7 +1038,7 @@
           <a:p>
             <a:fld id="{8D73BC6A-7CCF-40A4-B006-03FCDA3EA12B}" type="datetime1">
               <a:rPr lang="en-US" smtClean="0"/>
-              <a:t>7/19/2023</a:t>
+              <a:t>7/20/2023</a:t>
             </a:fld>
             <a:endParaRPr lang="en-US"/>
           </a:p>
@@ -1219,7 +1236,7 @@
           <a:p>
             <a:fld id="{FAD0B024-61CA-44E8-9DF2-C6BD22AA7A7B}" type="datetime1">
               <a:rPr lang="en-US" smtClean="0"/>
-              <a:t>7/19/2023</a:t>
+              <a:t>7/20/2023</a:t>
             </a:fld>
             <a:endParaRPr lang="en-US"/>
           </a:p>
@@ -1494,7 +1511,7 @@
           <a:p>
             <a:fld id="{AA3A7AFB-F13E-4542-B60A-0620CAF0A96C}" type="datetime1">
               <a:rPr lang="en-US" smtClean="0"/>
-              <a:t>7/19/2023</a:t>
+              <a:t>7/20/2023</a:t>
             </a:fld>
             <a:endParaRPr lang="en-US"/>
           </a:p>
@@ -1759,7 +1776,7 @@
           <a:p>
             <a:fld id="{3DB7AC47-BCAB-4D82-B707-94F403E7BFFE}" type="datetime1">
               <a:rPr lang="en-US" smtClean="0"/>
-              <a:t>7/19/2023</a:t>
+              <a:t>7/20/2023</a:t>
             </a:fld>
             <a:endParaRPr lang="en-US"/>
           </a:p>
@@ -2171,7 +2188,7 @@
           <a:p>
             <a:fld id="{AFD05FC7-0733-4D49-9221-1F519CF55C0F}" type="datetime1">
               <a:rPr lang="en-US" smtClean="0"/>
-              <a:t>7/19/2023</a:t>
+              <a:t>7/20/2023</a:t>
             </a:fld>
             <a:endParaRPr lang="en-US"/>
           </a:p>
@@ -2312,7 +2329,7 @@
           <a:p>
             <a:fld id="{094889CC-7ADA-45B4-8583-7E2209E22B8D}" type="datetime1">
               <a:rPr lang="en-US" smtClean="0"/>
-              <a:t>7/19/2023</a:t>
+              <a:t>7/20/2023</a:t>
             </a:fld>
             <a:endParaRPr lang="en-US"/>
           </a:p>
@@ -2425,7 +2442,7 @@
           <a:p>
             <a:fld id="{89A54043-F1E4-4DB5-A5FA-D46B2925E872}" type="datetime1">
               <a:rPr lang="en-US" smtClean="0"/>
-              <a:t>7/19/2023</a:t>
+              <a:t>7/20/2023</a:t>
             </a:fld>
             <a:endParaRPr lang="en-US"/>
           </a:p>
@@ -2736,7 +2753,7 @@
           <a:p>
             <a:fld id="{BC8AEC46-4820-4996-B8C5-0669F8738B4C}" type="datetime1">
               <a:rPr lang="en-US" smtClean="0"/>
-              <a:t>7/19/2023</a:t>
+              <a:t>7/20/2023</a:t>
             </a:fld>
             <a:endParaRPr lang="en-US"/>
           </a:p>
@@ -3024,7 +3041,7 @@
           <a:p>
             <a:fld id="{0D59ECFE-069E-43B1-83C2-289F9B4C8B5C}" type="datetime1">
               <a:rPr lang="en-US" smtClean="0"/>
-              <a:t>7/19/2023</a:t>
+              <a:t>7/20/2023</a:t>
             </a:fld>
             <a:endParaRPr lang="en-US"/>
           </a:p>
@@ -3265,7 +3282,7 @@
           <a:p>
             <a:fld id="{6BCC4D26-C612-4D99-9254-1436FBFA8525}" type="datetime1">
               <a:rPr lang="en-US" smtClean="0"/>
-              <a:t>7/19/2023</a:t>
+              <a:t>7/20/2023</a:t>
             </a:fld>
             <a:endParaRPr lang="en-US"/>
           </a:p>
@@ -3982,10 +3999,2458 @@
           </a:prstGeom>
         </p:spPr>
       </p:pic>
+      <p:sp>
+        <p:nvSpPr>
+          <p:cNvPr id="5" name="TextBox 4">
+            <a:extLst>
+              <a:ext uri="{FF2B5EF4-FFF2-40B4-BE49-F238E27FC236}">
+                <a16:creationId xmlns:a16="http://schemas.microsoft.com/office/drawing/2014/main" id="{58E84500-2671-0F47-DDCE-AC544D58780B}"/>
+              </a:ext>
+            </a:extLst>
+          </p:cNvPr>
+          <p:cNvSpPr txBox="1"/>
+          <p:nvPr/>
+        </p:nvSpPr>
+        <p:spPr>
+          <a:xfrm>
+            <a:off x="96254" y="108453"/>
+            <a:ext cx="346570" cy="477054"/>
+          </a:xfrm>
+          <a:prstGeom prst="rect">
+            <a:avLst/>
+          </a:prstGeom>
+          <a:noFill/>
+        </p:spPr>
+        <p:txBody>
+          <a:bodyPr wrap="none" rtlCol="0">
+            <a:spAutoFit/>
+          </a:bodyPr>
+          <a:lstStyle/>
+          <a:p>
+            <a:r>
+              <a:rPr lang="en-US" sz="2500" dirty="0"/>
+              <a:t>3</a:t>
+            </a:r>
+          </a:p>
+        </p:txBody>
+      </p:sp>
     </p:spTree>
     <p:extLst>
       <p:ext uri="{BB962C8B-B14F-4D97-AF65-F5344CB8AC3E}">
         <p14:creationId xmlns:p14="http://schemas.microsoft.com/office/powerpoint/2010/main" val="473913042"/>
+      </p:ext>
+    </p:extLst>
+  </p:cSld>
+  <p:clrMapOvr>
+    <a:masterClrMapping/>
+  </p:clrMapOvr>
+</p:sld>
+</file>
+
+<file path=ppt/slides/slide11.xml><?xml version="1.0" encoding="utf-8"?>
+<p:sld xmlns:a="http://schemas.openxmlformats.org/drawingml/2006/main" xmlns:r="http://schemas.openxmlformats.org/officeDocument/2006/relationships" xmlns:p="http://schemas.openxmlformats.org/presentationml/2006/main">
+  <p:cSld>
+    <p:spTree>
+      <p:nvGrpSpPr>
+        <p:cNvPr id="1" name=""/>
+        <p:cNvGrpSpPr/>
+        <p:nvPr/>
+      </p:nvGrpSpPr>
+      <p:grpSpPr>
+        <a:xfrm>
+          <a:off x="0" y="0"/>
+          <a:ext cx="0" cy="0"/>
+          <a:chOff x="0" y="0"/>
+          <a:chExt cx="0" cy="0"/>
+        </a:xfrm>
+      </p:grpSpPr>
+      <p:sp>
+        <p:nvSpPr>
+          <p:cNvPr id="2" name="Title 1">
+            <a:extLst>
+              <a:ext uri="{FF2B5EF4-FFF2-40B4-BE49-F238E27FC236}">
+                <a16:creationId xmlns:a16="http://schemas.microsoft.com/office/drawing/2014/main" id="{309E7621-D85E-4200-BF64-A166C80B4A5F}"/>
+              </a:ext>
+            </a:extLst>
+          </p:cNvPr>
+          <p:cNvSpPr>
+            <a:spLocks noGrp="1"/>
+          </p:cNvSpPr>
+          <p:nvPr>
+            <p:ph type="title"/>
+          </p:nvPr>
+        </p:nvSpPr>
+        <p:spPr/>
+        <p:txBody>
+          <a:bodyPr>
+            <a:normAutofit fontScale="90000"/>
+          </a:bodyPr>
+          <a:lstStyle/>
+          <a:p>
+            <a:pPr algn="ctr"/>
+            <a:r>
+              <a:rPr lang="en-US" sz="3300" dirty="0" err="1"/>
+              <a:t>mmFormer</a:t>
+            </a:r>
+            <a:r>
+              <a:rPr lang="en-US" sz="3300" dirty="0"/>
+              <a:t>: Multimodal Medical Transformer for</a:t>
+            </a:r>
+            <a:br>
+              <a:rPr lang="en-US" sz="3300" dirty="0"/>
+            </a:br>
+            <a:r>
+              <a:rPr lang="en-US" sz="3300" dirty="0"/>
+              <a:t>Incomplete Multimodal Learning of Brain Tumor</a:t>
+            </a:r>
+            <a:br>
+              <a:rPr lang="en-US" sz="3300" dirty="0"/>
+            </a:br>
+            <a:r>
+              <a:rPr lang="en-US" sz="3300" dirty="0"/>
+              <a:t>Segmentation</a:t>
+            </a:r>
+            <a:br>
+              <a:rPr lang="en-US" dirty="0"/>
+            </a:br>
+            <a:r>
+              <a:rPr lang="en-US" sz="2200" dirty="0"/>
+              <a:t>MICCAI – 2022</a:t>
+            </a:r>
+            <a:br>
+              <a:rPr lang="en-US" sz="2200" dirty="0"/>
+            </a:br>
+            <a:r>
+              <a:rPr lang="en-US" sz="2200" dirty="0"/>
+              <a:t>Aug 2022</a:t>
+            </a:r>
+          </a:p>
+        </p:txBody>
+      </p:sp>
+      <p:sp>
+        <p:nvSpPr>
+          <p:cNvPr id="3" name="Content Placeholder 2">
+            <a:extLst>
+              <a:ext uri="{FF2B5EF4-FFF2-40B4-BE49-F238E27FC236}">
+                <a16:creationId xmlns:a16="http://schemas.microsoft.com/office/drawing/2014/main" id="{26E4F456-85EC-303C-EBA4-D1A22FBDE13B}"/>
+              </a:ext>
+            </a:extLst>
+          </p:cNvPr>
+          <p:cNvSpPr>
+            <a:spLocks noGrp="1"/>
+          </p:cNvSpPr>
+          <p:nvPr>
+            <p:ph idx="1"/>
+          </p:nvPr>
+        </p:nvSpPr>
+        <p:spPr>
+          <a:xfrm>
+            <a:off x="838200" y="2191250"/>
+            <a:ext cx="10515600" cy="4351338"/>
+          </a:xfrm>
+        </p:spPr>
+        <p:txBody>
+          <a:bodyPr>
+            <a:normAutofit/>
+          </a:bodyPr>
+          <a:lstStyle/>
+          <a:p>
+            <a:r>
+              <a:rPr lang="en-US" dirty="0"/>
+              <a:t>Main Contribution – Segmentation even when missing modals</a:t>
+            </a:r>
+          </a:p>
+          <a:p>
+            <a:endParaRPr lang="en-US" dirty="0"/>
+          </a:p>
+          <a:p>
+            <a:pPr lvl="1"/>
+            <a:r>
+              <a:rPr lang="en-US" dirty="0"/>
+              <a:t>Modality specific encoders – Convolutional encoder + Intra-Modal transformer – To capture local as well as global context within each modality.</a:t>
+            </a:r>
+          </a:p>
+          <a:p>
+            <a:pPr lvl="1"/>
+            <a:r>
+              <a:rPr lang="en-US" dirty="0"/>
+              <a:t>Inter-Modal Transformer – long-range correlations across modalities ( relation between different images of same region)</a:t>
+            </a:r>
+          </a:p>
+          <a:p>
+            <a:pPr lvl="1"/>
+            <a:r>
+              <a:rPr lang="en-US" dirty="0"/>
+              <a:t>Decoder – </a:t>
+            </a:r>
+            <a:r>
+              <a:rPr lang="en-US" dirty="0" err="1"/>
+              <a:t>Upsampling</a:t>
+            </a:r>
+            <a:endParaRPr lang="en-US" dirty="0"/>
+          </a:p>
+          <a:p>
+            <a:pPr lvl="1"/>
+            <a:r>
+              <a:rPr lang="en-US" dirty="0"/>
+              <a:t>Auxiliary </a:t>
+            </a:r>
+            <a:r>
+              <a:rPr lang="en-US" dirty="0" err="1"/>
+              <a:t>Regularizers</a:t>
+            </a:r>
+            <a:r>
+              <a:rPr lang="en-US" dirty="0"/>
+              <a:t> – The outputs of the convolutional encoders are </a:t>
+            </a:r>
+            <a:r>
+              <a:rPr lang="en-US" dirty="0" err="1"/>
+              <a:t>upsampled</a:t>
+            </a:r>
+            <a:r>
+              <a:rPr lang="en-US" dirty="0"/>
+              <a:t> by a shared weight decoder per modality (this encourages to perform well even when certain modalities are missing)</a:t>
+            </a:r>
+          </a:p>
+        </p:txBody>
+      </p:sp>
+      <p:sp>
+        <p:nvSpPr>
+          <p:cNvPr id="4" name="TextBox 3">
+            <a:extLst>
+              <a:ext uri="{FF2B5EF4-FFF2-40B4-BE49-F238E27FC236}">
+                <a16:creationId xmlns:a16="http://schemas.microsoft.com/office/drawing/2014/main" id="{32434F6E-7FE6-8A51-754B-0FCB91379D63}"/>
+              </a:ext>
+            </a:extLst>
+          </p:cNvPr>
+          <p:cNvSpPr txBox="1"/>
+          <p:nvPr/>
+        </p:nvSpPr>
+        <p:spPr>
+          <a:xfrm>
+            <a:off x="6997904" y="1279497"/>
+            <a:ext cx="1155957" cy="369332"/>
+          </a:xfrm>
+          <a:prstGeom prst="rect">
+            <a:avLst/>
+          </a:prstGeom>
+          <a:noFill/>
+        </p:spPr>
+        <p:txBody>
+          <a:bodyPr wrap="none" rtlCol="0">
+            <a:spAutoFit/>
+          </a:bodyPr>
+          <a:lstStyle/>
+          <a:p>
+            <a:r>
+              <a:rPr lang="en-US" u="sng" dirty="0">
+                <a:hlinkClick r:id="rId2"/>
+              </a:rPr>
+              <a:t>Paper Link</a:t>
+            </a:r>
+            <a:endParaRPr lang="en-US" u="sng" dirty="0"/>
+          </a:p>
+        </p:txBody>
+      </p:sp>
+      <p:sp>
+        <p:nvSpPr>
+          <p:cNvPr id="6" name="Slide Number Placeholder 5">
+            <a:extLst>
+              <a:ext uri="{FF2B5EF4-FFF2-40B4-BE49-F238E27FC236}">
+                <a16:creationId xmlns:a16="http://schemas.microsoft.com/office/drawing/2014/main" id="{C58F4DBE-E902-6F48-505F-97718A640024}"/>
+              </a:ext>
+            </a:extLst>
+          </p:cNvPr>
+          <p:cNvSpPr>
+            <a:spLocks noGrp="1"/>
+          </p:cNvSpPr>
+          <p:nvPr>
+            <p:ph type="sldNum" sz="quarter" idx="12"/>
+          </p:nvPr>
+        </p:nvSpPr>
+        <p:spPr/>
+        <p:txBody>
+          <a:bodyPr/>
+          <a:lstStyle/>
+          <a:p>
+            <a:fld id="{8675CED3-2DE4-4D00-9C8D-51B9A2902944}" type="slidenum">
+              <a:rPr lang="en-US" smtClean="0"/>
+              <a:t>11</a:t>
+            </a:fld>
+            <a:endParaRPr lang="en-US"/>
+          </a:p>
+        </p:txBody>
+      </p:sp>
+      <p:sp>
+        <p:nvSpPr>
+          <p:cNvPr id="5" name="TextBox 4">
+            <a:extLst>
+              <a:ext uri="{FF2B5EF4-FFF2-40B4-BE49-F238E27FC236}">
+                <a16:creationId xmlns:a16="http://schemas.microsoft.com/office/drawing/2014/main" id="{4DA0C051-21BE-D84F-D6D3-56223340072B}"/>
+              </a:ext>
+            </a:extLst>
+          </p:cNvPr>
+          <p:cNvSpPr txBox="1"/>
+          <p:nvPr/>
+        </p:nvSpPr>
+        <p:spPr>
+          <a:xfrm>
+            <a:off x="96254" y="108453"/>
+            <a:ext cx="346570" cy="477054"/>
+          </a:xfrm>
+          <a:prstGeom prst="rect">
+            <a:avLst/>
+          </a:prstGeom>
+          <a:noFill/>
+        </p:spPr>
+        <p:txBody>
+          <a:bodyPr wrap="none" rtlCol="0">
+            <a:spAutoFit/>
+          </a:bodyPr>
+          <a:lstStyle/>
+          <a:p>
+            <a:r>
+              <a:rPr lang="en-US" sz="2500" dirty="0"/>
+              <a:t>4</a:t>
+            </a:r>
+          </a:p>
+        </p:txBody>
+      </p:sp>
+    </p:spTree>
+    <p:extLst>
+      <p:ext uri="{BB962C8B-B14F-4D97-AF65-F5344CB8AC3E}">
+        <p14:creationId xmlns:p14="http://schemas.microsoft.com/office/powerpoint/2010/main" val="1042088242"/>
+      </p:ext>
+    </p:extLst>
+  </p:cSld>
+  <p:clrMapOvr>
+    <a:masterClrMapping/>
+  </p:clrMapOvr>
+</p:sld>
+</file>
+
+<file path=ppt/slides/slide12.xml><?xml version="1.0" encoding="utf-8"?>
+<p:sld xmlns:a="http://schemas.openxmlformats.org/drawingml/2006/main" xmlns:r="http://schemas.openxmlformats.org/officeDocument/2006/relationships" xmlns:p="http://schemas.openxmlformats.org/presentationml/2006/main">
+  <p:cSld>
+    <p:spTree>
+      <p:nvGrpSpPr>
+        <p:cNvPr id="1" name=""/>
+        <p:cNvGrpSpPr/>
+        <p:nvPr/>
+      </p:nvGrpSpPr>
+      <p:grpSpPr>
+        <a:xfrm>
+          <a:off x="0" y="0"/>
+          <a:ext cx="0" cy="0"/>
+          <a:chOff x="0" y="0"/>
+          <a:chExt cx="0" cy="0"/>
+        </a:xfrm>
+      </p:grpSpPr>
+      <p:sp>
+        <p:nvSpPr>
+          <p:cNvPr id="2" name="Title 1">
+            <a:extLst>
+              <a:ext uri="{FF2B5EF4-FFF2-40B4-BE49-F238E27FC236}">
+                <a16:creationId xmlns:a16="http://schemas.microsoft.com/office/drawing/2014/main" id="{309E7621-D85E-4200-BF64-A166C80B4A5F}"/>
+              </a:ext>
+            </a:extLst>
+          </p:cNvPr>
+          <p:cNvSpPr>
+            <a:spLocks noGrp="1"/>
+          </p:cNvSpPr>
+          <p:nvPr>
+            <p:ph type="title"/>
+          </p:nvPr>
+        </p:nvSpPr>
+        <p:spPr/>
+        <p:txBody>
+          <a:bodyPr>
+            <a:normAutofit fontScale="90000"/>
+          </a:bodyPr>
+          <a:lstStyle/>
+          <a:p>
+            <a:pPr algn="ctr"/>
+            <a:r>
+              <a:rPr lang="en-US" sz="3300" dirty="0" err="1"/>
+              <a:t>mmFormer</a:t>
+            </a:r>
+            <a:r>
+              <a:rPr lang="en-US" sz="3300" dirty="0"/>
+              <a:t>: Multimodal Medical Transformer for</a:t>
+            </a:r>
+            <a:br>
+              <a:rPr lang="en-US" sz="3300" dirty="0"/>
+            </a:br>
+            <a:r>
+              <a:rPr lang="en-US" sz="3300" dirty="0"/>
+              <a:t>Incomplete Multimodal Learning of Brain Tumor</a:t>
+            </a:r>
+            <a:br>
+              <a:rPr lang="en-US" sz="3300" dirty="0"/>
+            </a:br>
+            <a:r>
+              <a:rPr lang="en-US" sz="3300" dirty="0"/>
+              <a:t>Segmentation</a:t>
+            </a:r>
+            <a:br>
+              <a:rPr lang="en-US" sz="3600" dirty="0"/>
+            </a:br>
+            <a:r>
+              <a:rPr lang="en-US" sz="2200" dirty="0"/>
+              <a:t>MICCAI – 2022</a:t>
+            </a:r>
+            <a:br>
+              <a:rPr lang="en-US" sz="2200" dirty="0"/>
+            </a:br>
+            <a:r>
+              <a:rPr lang="en-US" sz="2200" dirty="0"/>
+              <a:t>Aug 2022</a:t>
+            </a:r>
+          </a:p>
+        </p:txBody>
+      </p:sp>
+      <p:sp>
+        <p:nvSpPr>
+          <p:cNvPr id="9" name="Slide Number Placeholder 8">
+            <a:extLst>
+              <a:ext uri="{FF2B5EF4-FFF2-40B4-BE49-F238E27FC236}">
+                <a16:creationId xmlns:a16="http://schemas.microsoft.com/office/drawing/2014/main" id="{44A65774-2304-39B1-2BAC-23F7AEB918A1}"/>
+              </a:ext>
+            </a:extLst>
+          </p:cNvPr>
+          <p:cNvSpPr>
+            <a:spLocks noGrp="1"/>
+          </p:cNvSpPr>
+          <p:nvPr>
+            <p:ph type="sldNum" sz="quarter" idx="12"/>
+          </p:nvPr>
+        </p:nvSpPr>
+        <p:spPr/>
+        <p:txBody>
+          <a:bodyPr/>
+          <a:lstStyle/>
+          <a:p>
+            <a:fld id="{8675CED3-2DE4-4D00-9C8D-51B9A2902944}" type="slidenum">
+              <a:rPr lang="en-US" smtClean="0"/>
+              <a:t>12</a:t>
+            </a:fld>
+            <a:endParaRPr lang="en-US"/>
+          </a:p>
+        </p:txBody>
+      </p:sp>
+      <p:sp>
+        <p:nvSpPr>
+          <p:cNvPr id="4" name="TextBox 3">
+            <a:extLst>
+              <a:ext uri="{FF2B5EF4-FFF2-40B4-BE49-F238E27FC236}">
+                <a16:creationId xmlns:a16="http://schemas.microsoft.com/office/drawing/2014/main" id="{D95D2F90-1582-EF4A-FFEA-6169FAB8BFAF}"/>
+              </a:ext>
+            </a:extLst>
+          </p:cNvPr>
+          <p:cNvSpPr txBox="1"/>
+          <p:nvPr/>
+        </p:nvSpPr>
+        <p:spPr>
+          <a:xfrm>
+            <a:off x="6997904" y="1279497"/>
+            <a:ext cx="1155957" cy="369332"/>
+          </a:xfrm>
+          <a:prstGeom prst="rect">
+            <a:avLst/>
+          </a:prstGeom>
+          <a:noFill/>
+        </p:spPr>
+        <p:txBody>
+          <a:bodyPr wrap="none" rtlCol="0">
+            <a:spAutoFit/>
+          </a:bodyPr>
+          <a:lstStyle/>
+          <a:p>
+            <a:r>
+              <a:rPr lang="en-US" u="sng" dirty="0">
+                <a:hlinkClick r:id="rId2"/>
+              </a:rPr>
+              <a:t>Paper Link</a:t>
+            </a:r>
+            <a:endParaRPr lang="en-US" u="sng" dirty="0"/>
+          </a:p>
+        </p:txBody>
+      </p:sp>
+      <p:pic>
+        <p:nvPicPr>
+          <p:cNvPr id="7" name="Picture 6">
+            <a:extLst>
+              <a:ext uri="{FF2B5EF4-FFF2-40B4-BE49-F238E27FC236}">
+                <a16:creationId xmlns:a16="http://schemas.microsoft.com/office/drawing/2014/main" id="{00999978-238A-99BC-F51F-299B76B4892D}"/>
+              </a:ext>
+            </a:extLst>
+          </p:cNvPr>
+          <p:cNvPicPr>
+            <a:picLocks noChangeAspect="1"/>
+          </p:cNvPicPr>
+          <p:nvPr/>
+        </p:nvPicPr>
+        <p:blipFill rotWithShape="1">
+          <a:blip r:embed="rId3"/>
+          <a:srcRect r="1090" b="15592"/>
+          <a:stretch/>
+        </p:blipFill>
+        <p:spPr>
+          <a:xfrm>
+            <a:off x="477310" y="2181640"/>
+            <a:ext cx="5959119" cy="4539835"/>
+          </a:xfrm>
+          <a:prstGeom prst="rect">
+            <a:avLst/>
+          </a:prstGeom>
+        </p:spPr>
+      </p:pic>
+      <p:pic>
+        <p:nvPicPr>
+          <p:cNvPr id="10" name="Picture 9">
+            <a:extLst>
+              <a:ext uri="{FF2B5EF4-FFF2-40B4-BE49-F238E27FC236}">
+                <a16:creationId xmlns:a16="http://schemas.microsoft.com/office/drawing/2014/main" id="{A2B620F7-8C02-75D5-F92A-D128791A1401}"/>
+              </a:ext>
+            </a:extLst>
+          </p:cNvPr>
+          <p:cNvPicPr>
+            <a:picLocks noChangeAspect="1"/>
+          </p:cNvPicPr>
+          <p:nvPr/>
+        </p:nvPicPr>
+        <p:blipFill rotWithShape="1">
+          <a:blip r:embed="rId3"/>
+          <a:srcRect t="84511"/>
+          <a:stretch/>
+        </p:blipFill>
+        <p:spPr>
+          <a:xfrm>
+            <a:off x="6436429" y="3949526"/>
+            <a:ext cx="5333769" cy="737535"/>
+          </a:xfrm>
+          <a:prstGeom prst="rect">
+            <a:avLst/>
+          </a:prstGeom>
+        </p:spPr>
+      </p:pic>
+      <p:sp>
+        <p:nvSpPr>
+          <p:cNvPr id="13" name="TextBox 12">
+            <a:extLst>
+              <a:ext uri="{FF2B5EF4-FFF2-40B4-BE49-F238E27FC236}">
+                <a16:creationId xmlns:a16="http://schemas.microsoft.com/office/drawing/2014/main" id="{9735FF99-CCB2-AB4E-805B-CCA83F938111}"/>
+              </a:ext>
+            </a:extLst>
+          </p:cNvPr>
+          <p:cNvSpPr txBox="1"/>
+          <p:nvPr/>
+        </p:nvSpPr>
+        <p:spPr>
+          <a:xfrm>
+            <a:off x="96254" y="108453"/>
+            <a:ext cx="346570" cy="477054"/>
+          </a:xfrm>
+          <a:prstGeom prst="rect">
+            <a:avLst/>
+          </a:prstGeom>
+          <a:noFill/>
+        </p:spPr>
+        <p:txBody>
+          <a:bodyPr wrap="none" rtlCol="0">
+            <a:spAutoFit/>
+          </a:bodyPr>
+          <a:lstStyle/>
+          <a:p>
+            <a:r>
+              <a:rPr lang="en-US" sz="2500" dirty="0"/>
+              <a:t>4</a:t>
+            </a:r>
+          </a:p>
+        </p:txBody>
+      </p:sp>
+    </p:spTree>
+    <p:extLst>
+      <p:ext uri="{BB962C8B-B14F-4D97-AF65-F5344CB8AC3E}">
+        <p14:creationId xmlns:p14="http://schemas.microsoft.com/office/powerpoint/2010/main" val="1932071195"/>
+      </p:ext>
+    </p:extLst>
+  </p:cSld>
+  <p:clrMapOvr>
+    <a:masterClrMapping/>
+  </p:clrMapOvr>
+</p:sld>
+</file>
+
+<file path=ppt/slides/slide13.xml><?xml version="1.0" encoding="utf-8"?>
+<p:sld xmlns:a="http://schemas.openxmlformats.org/drawingml/2006/main" xmlns:r="http://schemas.openxmlformats.org/officeDocument/2006/relationships" xmlns:p="http://schemas.openxmlformats.org/presentationml/2006/main">
+  <p:cSld>
+    <p:spTree>
+      <p:nvGrpSpPr>
+        <p:cNvPr id="1" name=""/>
+        <p:cNvGrpSpPr/>
+        <p:nvPr/>
+      </p:nvGrpSpPr>
+      <p:grpSpPr>
+        <a:xfrm>
+          <a:off x="0" y="0"/>
+          <a:ext cx="0" cy="0"/>
+          <a:chOff x="0" y="0"/>
+          <a:chExt cx="0" cy="0"/>
+        </a:xfrm>
+      </p:grpSpPr>
+      <p:sp>
+        <p:nvSpPr>
+          <p:cNvPr id="2" name="Title 1">
+            <a:extLst>
+              <a:ext uri="{FF2B5EF4-FFF2-40B4-BE49-F238E27FC236}">
+                <a16:creationId xmlns:a16="http://schemas.microsoft.com/office/drawing/2014/main" id="{309E7621-D85E-4200-BF64-A166C80B4A5F}"/>
+              </a:ext>
+            </a:extLst>
+          </p:cNvPr>
+          <p:cNvSpPr>
+            <a:spLocks noGrp="1"/>
+          </p:cNvSpPr>
+          <p:nvPr>
+            <p:ph type="title"/>
+          </p:nvPr>
+        </p:nvSpPr>
+        <p:spPr/>
+        <p:txBody>
+          <a:bodyPr>
+            <a:normAutofit fontScale="90000"/>
+          </a:bodyPr>
+          <a:lstStyle/>
+          <a:p>
+            <a:pPr algn="ctr"/>
+            <a:r>
+              <a:rPr lang="en-US" sz="3300" dirty="0" err="1"/>
+              <a:t>mmFormer</a:t>
+            </a:r>
+            <a:r>
+              <a:rPr lang="en-US" sz="3300" dirty="0"/>
+              <a:t>: Multimodal Medical Transformer for</a:t>
+            </a:r>
+            <a:br>
+              <a:rPr lang="en-US" sz="3300" dirty="0"/>
+            </a:br>
+            <a:r>
+              <a:rPr lang="en-US" sz="3300" dirty="0"/>
+              <a:t>Incomplete Multimodal Learning of Brain Tumor</a:t>
+            </a:r>
+            <a:br>
+              <a:rPr lang="en-US" sz="3300" dirty="0"/>
+            </a:br>
+            <a:r>
+              <a:rPr lang="en-US" sz="3300" dirty="0"/>
+              <a:t>Segmentation</a:t>
+            </a:r>
+            <a:br>
+              <a:rPr lang="en-US" sz="3600" dirty="0"/>
+            </a:br>
+            <a:r>
+              <a:rPr lang="en-US" sz="2200" dirty="0"/>
+              <a:t>MICCAI – 2022</a:t>
+            </a:r>
+            <a:br>
+              <a:rPr lang="en-US" sz="2200" dirty="0"/>
+            </a:br>
+            <a:r>
+              <a:rPr lang="en-US" sz="2200" dirty="0"/>
+              <a:t>Aug 2022</a:t>
+            </a:r>
+          </a:p>
+        </p:txBody>
+      </p:sp>
+      <p:sp>
+        <p:nvSpPr>
+          <p:cNvPr id="3" name="Content Placeholder 2">
+            <a:extLst>
+              <a:ext uri="{FF2B5EF4-FFF2-40B4-BE49-F238E27FC236}">
+                <a16:creationId xmlns:a16="http://schemas.microsoft.com/office/drawing/2014/main" id="{26E4F456-85EC-303C-EBA4-D1A22FBDE13B}"/>
+              </a:ext>
+            </a:extLst>
+          </p:cNvPr>
+          <p:cNvSpPr>
+            <a:spLocks noGrp="1"/>
+          </p:cNvSpPr>
+          <p:nvPr>
+            <p:ph idx="1"/>
+          </p:nvPr>
+        </p:nvSpPr>
+        <p:spPr/>
+        <p:txBody>
+          <a:bodyPr/>
+          <a:lstStyle/>
+          <a:p>
+            <a:r>
+              <a:rPr lang="en-US" dirty="0"/>
+              <a:t>Results</a:t>
+            </a:r>
+          </a:p>
+        </p:txBody>
+      </p:sp>
+      <p:sp>
+        <p:nvSpPr>
+          <p:cNvPr id="9" name="Slide Number Placeholder 8">
+            <a:extLst>
+              <a:ext uri="{FF2B5EF4-FFF2-40B4-BE49-F238E27FC236}">
+                <a16:creationId xmlns:a16="http://schemas.microsoft.com/office/drawing/2014/main" id="{A594C463-6E5C-B774-177F-AB0852C2F1BA}"/>
+              </a:ext>
+            </a:extLst>
+          </p:cNvPr>
+          <p:cNvSpPr>
+            <a:spLocks noGrp="1"/>
+          </p:cNvSpPr>
+          <p:nvPr>
+            <p:ph type="sldNum" sz="quarter" idx="12"/>
+          </p:nvPr>
+        </p:nvSpPr>
+        <p:spPr/>
+        <p:txBody>
+          <a:bodyPr/>
+          <a:lstStyle/>
+          <a:p>
+            <a:fld id="{8675CED3-2DE4-4D00-9C8D-51B9A2902944}" type="slidenum">
+              <a:rPr lang="en-US" smtClean="0"/>
+              <a:t>13</a:t>
+            </a:fld>
+            <a:endParaRPr lang="en-US"/>
+          </a:p>
+        </p:txBody>
+      </p:sp>
+      <p:sp>
+        <p:nvSpPr>
+          <p:cNvPr id="5" name="TextBox 4">
+            <a:extLst>
+              <a:ext uri="{FF2B5EF4-FFF2-40B4-BE49-F238E27FC236}">
+                <a16:creationId xmlns:a16="http://schemas.microsoft.com/office/drawing/2014/main" id="{68D94D63-3712-6934-8EAF-6771BF02D990}"/>
+              </a:ext>
+            </a:extLst>
+          </p:cNvPr>
+          <p:cNvSpPr txBox="1"/>
+          <p:nvPr/>
+        </p:nvSpPr>
+        <p:spPr>
+          <a:xfrm>
+            <a:off x="6997904" y="1279497"/>
+            <a:ext cx="1155957" cy="369332"/>
+          </a:xfrm>
+          <a:prstGeom prst="rect">
+            <a:avLst/>
+          </a:prstGeom>
+          <a:noFill/>
+        </p:spPr>
+        <p:txBody>
+          <a:bodyPr wrap="none" rtlCol="0">
+            <a:spAutoFit/>
+          </a:bodyPr>
+          <a:lstStyle/>
+          <a:p>
+            <a:r>
+              <a:rPr lang="en-US" u="sng" dirty="0">
+                <a:hlinkClick r:id="rId2"/>
+              </a:rPr>
+              <a:t>Paper Link</a:t>
+            </a:r>
+            <a:endParaRPr lang="en-US" u="sng" dirty="0"/>
+          </a:p>
+        </p:txBody>
+      </p:sp>
+      <p:pic>
+        <p:nvPicPr>
+          <p:cNvPr id="7" name="Picture 6">
+            <a:extLst>
+              <a:ext uri="{FF2B5EF4-FFF2-40B4-BE49-F238E27FC236}">
+                <a16:creationId xmlns:a16="http://schemas.microsoft.com/office/drawing/2014/main" id="{CF0F3F35-2395-ED48-945E-34C4BE5031C1}"/>
+              </a:ext>
+            </a:extLst>
+          </p:cNvPr>
+          <p:cNvPicPr>
+            <a:picLocks noChangeAspect="1"/>
+          </p:cNvPicPr>
+          <p:nvPr/>
+        </p:nvPicPr>
+        <p:blipFill>
+          <a:blip r:embed="rId3"/>
+          <a:stretch>
+            <a:fillRect/>
+          </a:stretch>
+        </p:blipFill>
+        <p:spPr>
+          <a:xfrm>
+            <a:off x="2337637" y="2126941"/>
+            <a:ext cx="7163800" cy="2133898"/>
+          </a:xfrm>
+          <a:prstGeom prst="rect">
+            <a:avLst/>
+          </a:prstGeom>
+        </p:spPr>
+      </p:pic>
+      <p:pic>
+        <p:nvPicPr>
+          <p:cNvPr id="11" name="Picture 10">
+            <a:extLst>
+              <a:ext uri="{FF2B5EF4-FFF2-40B4-BE49-F238E27FC236}">
+                <a16:creationId xmlns:a16="http://schemas.microsoft.com/office/drawing/2014/main" id="{E64A1A70-FEFD-5B56-82BA-41E906181975}"/>
+              </a:ext>
+            </a:extLst>
+          </p:cNvPr>
+          <p:cNvPicPr>
+            <a:picLocks noChangeAspect="1"/>
+          </p:cNvPicPr>
+          <p:nvPr/>
+        </p:nvPicPr>
+        <p:blipFill>
+          <a:blip r:embed="rId4"/>
+          <a:stretch>
+            <a:fillRect/>
+          </a:stretch>
+        </p:blipFill>
+        <p:spPr>
+          <a:xfrm>
+            <a:off x="2337637" y="4449861"/>
+            <a:ext cx="7306695" cy="2295845"/>
+          </a:xfrm>
+          <a:prstGeom prst="rect">
+            <a:avLst/>
+          </a:prstGeom>
+        </p:spPr>
+      </p:pic>
+      <p:sp>
+        <p:nvSpPr>
+          <p:cNvPr id="12" name="TextBox 11">
+            <a:extLst>
+              <a:ext uri="{FF2B5EF4-FFF2-40B4-BE49-F238E27FC236}">
+                <a16:creationId xmlns:a16="http://schemas.microsoft.com/office/drawing/2014/main" id="{F62D6CF2-C5C2-6053-AFD8-AAFE44D610C2}"/>
+              </a:ext>
+            </a:extLst>
+          </p:cNvPr>
+          <p:cNvSpPr txBox="1"/>
+          <p:nvPr/>
+        </p:nvSpPr>
+        <p:spPr>
+          <a:xfrm>
+            <a:off x="96254" y="108453"/>
+            <a:ext cx="346570" cy="477054"/>
+          </a:xfrm>
+          <a:prstGeom prst="rect">
+            <a:avLst/>
+          </a:prstGeom>
+          <a:noFill/>
+        </p:spPr>
+        <p:txBody>
+          <a:bodyPr wrap="none" rtlCol="0">
+            <a:spAutoFit/>
+          </a:bodyPr>
+          <a:lstStyle/>
+          <a:p>
+            <a:r>
+              <a:rPr lang="en-US" sz="2500" dirty="0"/>
+              <a:t>4</a:t>
+            </a:r>
+          </a:p>
+        </p:txBody>
+      </p:sp>
+    </p:spTree>
+    <p:extLst>
+      <p:ext uri="{BB962C8B-B14F-4D97-AF65-F5344CB8AC3E}">
+        <p14:creationId xmlns:p14="http://schemas.microsoft.com/office/powerpoint/2010/main" val="2724162786"/>
+      </p:ext>
+    </p:extLst>
+  </p:cSld>
+  <p:clrMapOvr>
+    <a:masterClrMapping/>
+  </p:clrMapOvr>
+</p:sld>
+</file>
+
+<file path=ppt/slides/slide14.xml><?xml version="1.0" encoding="utf-8"?>
+<p:sld xmlns:a="http://schemas.openxmlformats.org/drawingml/2006/main" xmlns:r="http://schemas.openxmlformats.org/officeDocument/2006/relationships" xmlns:p="http://schemas.openxmlformats.org/presentationml/2006/main">
+  <p:cSld>
+    <p:spTree>
+      <p:nvGrpSpPr>
+        <p:cNvPr id="1" name=""/>
+        <p:cNvGrpSpPr/>
+        <p:nvPr/>
+      </p:nvGrpSpPr>
+      <p:grpSpPr>
+        <a:xfrm>
+          <a:off x="0" y="0"/>
+          <a:ext cx="0" cy="0"/>
+          <a:chOff x="0" y="0"/>
+          <a:chExt cx="0" cy="0"/>
+        </a:xfrm>
+      </p:grpSpPr>
+      <p:sp>
+        <p:nvSpPr>
+          <p:cNvPr id="2" name="Title 1">
+            <a:extLst>
+              <a:ext uri="{FF2B5EF4-FFF2-40B4-BE49-F238E27FC236}">
+                <a16:creationId xmlns:a16="http://schemas.microsoft.com/office/drawing/2014/main" id="{309E7621-D85E-4200-BF64-A166C80B4A5F}"/>
+              </a:ext>
+            </a:extLst>
+          </p:cNvPr>
+          <p:cNvSpPr>
+            <a:spLocks noGrp="1"/>
+          </p:cNvSpPr>
+          <p:nvPr>
+            <p:ph type="title"/>
+          </p:nvPr>
+        </p:nvSpPr>
+        <p:spPr/>
+        <p:txBody>
+          <a:bodyPr>
+            <a:normAutofit fontScale="90000"/>
+          </a:bodyPr>
+          <a:lstStyle/>
+          <a:p>
+            <a:pPr algn="ctr"/>
+            <a:r>
+              <a:rPr lang="en-US" dirty="0"/>
+              <a:t>NVUM: Non-Volatile Unbiased Memory for</a:t>
+            </a:r>
+            <a:br>
+              <a:rPr lang="en-US" dirty="0"/>
+            </a:br>
+            <a:r>
+              <a:rPr lang="en-US" dirty="0"/>
+              <a:t>Robust Medical Image Classification</a:t>
+            </a:r>
+            <a:br>
+              <a:rPr lang="en-US" dirty="0"/>
+            </a:br>
+            <a:r>
+              <a:rPr lang="en-US" sz="2200" dirty="0"/>
+              <a:t>MICCAI – 2022</a:t>
+            </a:r>
+            <a:br>
+              <a:rPr lang="en-US" sz="2200" dirty="0"/>
+            </a:br>
+            <a:r>
+              <a:rPr lang="en-US" sz="2200" dirty="0"/>
+              <a:t>Aug 2022</a:t>
+            </a:r>
+          </a:p>
+        </p:txBody>
+      </p:sp>
+      <p:sp>
+        <p:nvSpPr>
+          <p:cNvPr id="3" name="Content Placeholder 2">
+            <a:extLst>
+              <a:ext uri="{FF2B5EF4-FFF2-40B4-BE49-F238E27FC236}">
+                <a16:creationId xmlns:a16="http://schemas.microsoft.com/office/drawing/2014/main" id="{26E4F456-85EC-303C-EBA4-D1A22FBDE13B}"/>
+              </a:ext>
+            </a:extLst>
+          </p:cNvPr>
+          <p:cNvSpPr>
+            <a:spLocks noGrp="1"/>
+          </p:cNvSpPr>
+          <p:nvPr>
+            <p:ph idx="1"/>
+          </p:nvPr>
+        </p:nvSpPr>
+        <p:spPr>
+          <a:xfrm>
+            <a:off x="838200" y="2191250"/>
+            <a:ext cx="10515600" cy="4351338"/>
+          </a:xfrm>
+        </p:spPr>
+        <p:txBody>
+          <a:bodyPr>
+            <a:normAutofit/>
+          </a:bodyPr>
+          <a:lstStyle/>
+          <a:p>
+            <a:r>
+              <a:rPr lang="en-US" dirty="0"/>
+              <a:t>Main Contribution – Addresses noisy multi-label &amp; Class Imbalance problems</a:t>
+            </a:r>
+          </a:p>
+          <a:p>
+            <a:pPr lvl="1"/>
+            <a:r>
+              <a:rPr lang="en-US" dirty="0"/>
+              <a:t>The Non-Volatile Unbiased Memory (NVUM) is a training module proposed in the paper to address the challenges of noisy multi-label and imbalanced learning in medical image analysis. </a:t>
+            </a:r>
+          </a:p>
+          <a:p>
+            <a:pPr lvl="2"/>
+            <a:r>
+              <a:rPr lang="en-US" dirty="0"/>
+              <a:t>NVUM stores running average of model logits and this functionality is controlled by a hyperparameter.</a:t>
+            </a:r>
+          </a:p>
+          <a:p>
+            <a:pPr lvl="2"/>
+            <a:r>
+              <a:rPr lang="en-US" dirty="0"/>
+              <a:t>NVUM is updated by subtracting the log prior of the class distributions during the memory update, which has the effect of increasing the logits with larger values for the classes with smaller prior.</a:t>
+            </a:r>
+          </a:p>
+          <a:p>
+            <a:pPr lvl="2"/>
+            <a:r>
+              <a:rPr lang="en-US" dirty="0"/>
+              <a:t>Uses regularization loss (calculated using stored logits and predicted logits) along with BCE loss to help reduce class imbalance problem.</a:t>
+            </a:r>
+          </a:p>
+          <a:p>
+            <a:pPr lvl="2"/>
+            <a:endParaRPr lang="en-US" dirty="0"/>
+          </a:p>
+          <a:p>
+            <a:pPr lvl="1"/>
+            <a:endParaRPr lang="en-US" dirty="0"/>
+          </a:p>
+        </p:txBody>
+      </p:sp>
+      <p:sp>
+        <p:nvSpPr>
+          <p:cNvPr id="4" name="TextBox 3">
+            <a:extLst>
+              <a:ext uri="{FF2B5EF4-FFF2-40B4-BE49-F238E27FC236}">
+                <a16:creationId xmlns:a16="http://schemas.microsoft.com/office/drawing/2014/main" id="{32434F6E-7FE6-8A51-754B-0FCB91379D63}"/>
+              </a:ext>
+            </a:extLst>
+          </p:cNvPr>
+          <p:cNvSpPr txBox="1"/>
+          <p:nvPr/>
+        </p:nvSpPr>
+        <p:spPr>
+          <a:xfrm>
+            <a:off x="6997904" y="1279497"/>
+            <a:ext cx="1155957" cy="369332"/>
+          </a:xfrm>
+          <a:prstGeom prst="rect">
+            <a:avLst/>
+          </a:prstGeom>
+          <a:noFill/>
+        </p:spPr>
+        <p:txBody>
+          <a:bodyPr wrap="none" rtlCol="0">
+            <a:spAutoFit/>
+          </a:bodyPr>
+          <a:lstStyle/>
+          <a:p>
+            <a:r>
+              <a:rPr lang="en-US" u="sng" dirty="0">
+                <a:hlinkClick r:id="rId2"/>
+              </a:rPr>
+              <a:t>Paper Link</a:t>
+            </a:r>
+            <a:endParaRPr lang="en-US" u="sng" dirty="0"/>
+          </a:p>
+        </p:txBody>
+      </p:sp>
+      <p:sp>
+        <p:nvSpPr>
+          <p:cNvPr id="6" name="Slide Number Placeholder 5">
+            <a:extLst>
+              <a:ext uri="{FF2B5EF4-FFF2-40B4-BE49-F238E27FC236}">
+                <a16:creationId xmlns:a16="http://schemas.microsoft.com/office/drawing/2014/main" id="{C58F4DBE-E902-6F48-505F-97718A640024}"/>
+              </a:ext>
+            </a:extLst>
+          </p:cNvPr>
+          <p:cNvSpPr>
+            <a:spLocks noGrp="1"/>
+          </p:cNvSpPr>
+          <p:nvPr>
+            <p:ph type="sldNum" sz="quarter" idx="12"/>
+          </p:nvPr>
+        </p:nvSpPr>
+        <p:spPr/>
+        <p:txBody>
+          <a:bodyPr/>
+          <a:lstStyle/>
+          <a:p>
+            <a:fld id="{8675CED3-2DE4-4D00-9C8D-51B9A2902944}" type="slidenum">
+              <a:rPr lang="en-US" smtClean="0"/>
+              <a:t>14</a:t>
+            </a:fld>
+            <a:endParaRPr lang="en-US"/>
+          </a:p>
+        </p:txBody>
+      </p:sp>
+      <p:sp>
+        <p:nvSpPr>
+          <p:cNvPr id="5" name="TextBox 4">
+            <a:extLst>
+              <a:ext uri="{FF2B5EF4-FFF2-40B4-BE49-F238E27FC236}">
+                <a16:creationId xmlns:a16="http://schemas.microsoft.com/office/drawing/2014/main" id="{4DA0C051-21BE-D84F-D6D3-56223340072B}"/>
+              </a:ext>
+            </a:extLst>
+          </p:cNvPr>
+          <p:cNvSpPr txBox="1"/>
+          <p:nvPr/>
+        </p:nvSpPr>
+        <p:spPr>
+          <a:xfrm>
+            <a:off x="96254" y="108453"/>
+            <a:ext cx="346570" cy="477054"/>
+          </a:xfrm>
+          <a:prstGeom prst="rect">
+            <a:avLst/>
+          </a:prstGeom>
+          <a:noFill/>
+        </p:spPr>
+        <p:txBody>
+          <a:bodyPr wrap="none" rtlCol="0">
+            <a:spAutoFit/>
+          </a:bodyPr>
+          <a:lstStyle/>
+          <a:p>
+            <a:r>
+              <a:rPr lang="en-US" sz="2500" dirty="0"/>
+              <a:t>5</a:t>
+            </a:r>
+          </a:p>
+        </p:txBody>
+      </p:sp>
+    </p:spTree>
+    <p:extLst>
+      <p:ext uri="{BB962C8B-B14F-4D97-AF65-F5344CB8AC3E}">
+        <p14:creationId xmlns:p14="http://schemas.microsoft.com/office/powerpoint/2010/main" val="2001415734"/>
+      </p:ext>
+    </p:extLst>
+  </p:cSld>
+  <p:clrMapOvr>
+    <a:masterClrMapping/>
+  </p:clrMapOvr>
+</p:sld>
+</file>
+
+<file path=ppt/slides/slide15.xml><?xml version="1.0" encoding="utf-8"?>
+<p:sld xmlns:a="http://schemas.openxmlformats.org/drawingml/2006/main" xmlns:r="http://schemas.openxmlformats.org/officeDocument/2006/relationships" xmlns:p="http://schemas.openxmlformats.org/presentationml/2006/main">
+  <p:cSld>
+    <p:spTree>
+      <p:nvGrpSpPr>
+        <p:cNvPr id="1" name=""/>
+        <p:cNvGrpSpPr/>
+        <p:nvPr/>
+      </p:nvGrpSpPr>
+      <p:grpSpPr>
+        <a:xfrm>
+          <a:off x="0" y="0"/>
+          <a:ext cx="0" cy="0"/>
+          <a:chOff x="0" y="0"/>
+          <a:chExt cx="0" cy="0"/>
+        </a:xfrm>
+      </p:grpSpPr>
+      <p:sp>
+        <p:nvSpPr>
+          <p:cNvPr id="2" name="Title 1">
+            <a:extLst>
+              <a:ext uri="{FF2B5EF4-FFF2-40B4-BE49-F238E27FC236}">
+                <a16:creationId xmlns:a16="http://schemas.microsoft.com/office/drawing/2014/main" id="{309E7621-D85E-4200-BF64-A166C80B4A5F}"/>
+              </a:ext>
+            </a:extLst>
+          </p:cNvPr>
+          <p:cNvSpPr>
+            <a:spLocks noGrp="1"/>
+          </p:cNvSpPr>
+          <p:nvPr>
+            <p:ph type="title"/>
+          </p:nvPr>
+        </p:nvSpPr>
+        <p:spPr/>
+        <p:txBody>
+          <a:bodyPr>
+            <a:normAutofit fontScale="90000"/>
+          </a:bodyPr>
+          <a:lstStyle/>
+          <a:p>
+            <a:pPr algn="ctr"/>
+            <a:r>
+              <a:rPr lang="en-US" sz="3600" dirty="0"/>
+              <a:t>NVUM: Non-Volatile Unbiased Memory for</a:t>
+            </a:r>
+            <a:br>
+              <a:rPr lang="en-US" sz="3600" dirty="0"/>
+            </a:br>
+            <a:r>
+              <a:rPr lang="en-US" sz="3600" dirty="0"/>
+              <a:t>Robust Medical Image Classification</a:t>
+            </a:r>
+            <a:br>
+              <a:rPr lang="en-US" sz="3600" dirty="0"/>
+            </a:br>
+            <a:r>
+              <a:rPr lang="en-US" sz="1800" dirty="0"/>
+              <a:t>MICCAI – 2022</a:t>
+            </a:r>
+            <a:br>
+              <a:rPr lang="en-US" sz="1800" dirty="0"/>
+            </a:br>
+            <a:r>
+              <a:rPr lang="en-US" sz="1800" dirty="0"/>
+              <a:t>Aug 2022</a:t>
+            </a:r>
+            <a:endParaRPr lang="en-US" sz="2200" dirty="0"/>
+          </a:p>
+        </p:txBody>
+      </p:sp>
+      <p:sp>
+        <p:nvSpPr>
+          <p:cNvPr id="9" name="Slide Number Placeholder 8">
+            <a:extLst>
+              <a:ext uri="{FF2B5EF4-FFF2-40B4-BE49-F238E27FC236}">
+                <a16:creationId xmlns:a16="http://schemas.microsoft.com/office/drawing/2014/main" id="{44A65774-2304-39B1-2BAC-23F7AEB918A1}"/>
+              </a:ext>
+            </a:extLst>
+          </p:cNvPr>
+          <p:cNvSpPr>
+            <a:spLocks noGrp="1"/>
+          </p:cNvSpPr>
+          <p:nvPr>
+            <p:ph type="sldNum" sz="quarter" idx="12"/>
+          </p:nvPr>
+        </p:nvSpPr>
+        <p:spPr/>
+        <p:txBody>
+          <a:bodyPr/>
+          <a:lstStyle/>
+          <a:p>
+            <a:fld id="{8675CED3-2DE4-4D00-9C8D-51B9A2902944}" type="slidenum">
+              <a:rPr lang="en-US" smtClean="0"/>
+              <a:t>15</a:t>
+            </a:fld>
+            <a:endParaRPr lang="en-US"/>
+          </a:p>
+        </p:txBody>
+      </p:sp>
+      <p:sp>
+        <p:nvSpPr>
+          <p:cNvPr id="13" name="TextBox 12">
+            <a:extLst>
+              <a:ext uri="{FF2B5EF4-FFF2-40B4-BE49-F238E27FC236}">
+                <a16:creationId xmlns:a16="http://schemas.microsoft.com/office/drawing/2014/main" id="{9735FF99-CCB2-AB4E-805B-CCA83F938111}"/>
+              </a:ext>
+            </a:extLst>
+          </p:cNvPr>
+          <p:cNvSpPr txBox="1"/>
+          <p:nvPr/>
+        </p:nvSpPr>
+        <p:spPr>
+          <a:xfrm>
+            <a:off x="96254" y="108453"/>
+            <a:ext cx="346570" cy="477054"/>
+          </a:xfrm>
+          <a:prstGeom prst="rect">
+            <a:avLst/>
+          </a:prstGeom>
+          <a:noFill/>
+        </p:spPr>
+        <p:txBody>
+          <a:bodyPr wrap="none" rtlCol="0">
+            <a:spAutoFit/>
+          </a:bodyPr>
+          <a:lstStyle/>
+          <a:p>
+            <a:r>
+              <a:rPr lang="en-US" sz="2500" dirty="0"/>
+              <a:t>5</a:t>
+            </a:r>
+          </a:p>
+        </p:txBody>
+      </p:sp>
+      <p:sp>
+        <p:nvSpPr>
+          <p:cNvPr id="3" name="TextBox 2">
+            <a:extLst>
+              <a:ext uri="{FF2B5EF4-FFF2-40B4-BE49-F238E27FC236}">
+                <a16:creationId xmlns:a16="http://schemas.microsoft.com/office/drawing/2014/main" id="{DAB78763-11C4-B4F8-1C10-E4568D3F7AFA}"/>
+              </a:ext>
+            </a:extLst>
+          </p:cNvPr>
+          <p:cNvSpPr txBox="1"/>
+          <p:nvPr/>
+        </p:nvSpPr>
+        <p:spPr>
+          <a:xfrm>
+            <a:off x="6997904" y="1279497"/>
+            <a:ext cx="1155957" cy="369332"/>
+          </a:xfrm>
+          <a:prstGeom prst="rect">
+            <a:avLst/>
+          </a:prstGeom>
+          <a:noFill/>
+        </p:spPr>
+        <p:txBody>
+          <a:bodyPr wrap="none" rtlCol="0">
+            <a:spAutoFit/>
+          </a:bodyPr>
+          <a:lstStyle/>
+          <a:p>
+            <a:r>
+              <a:rPr lang="en-US" u="sng" dirty="0">
+                <a:hlinkClick r:id="rId2"/>
+              </a:rPr>
+              <a:t>Paper Link</a:t>
+            </a:r>
+            <a:endParaRPr lang="en-US" u="sng" dirty="0"/>
+          </a:p>
+        </p:txBody>
+      </p:sp>
+      <p:pic>
+        <p:nvPicPr>
+          <p:cNvPr id="6" name="Picture 5">
+            <a:extLst>
+              <a:ext uri="{FF2B5EF4-FFF2-40B4-BE49-F238E27FC236}">
+                <a16:creationId xmlns:a16="http://schemas.microsoft.com/office/drawing/2014/main" id="{5BB94F8F-801E-B113-5AC8-949BCB4CB64C}"/>
+              </a:ext>
+            </a:extLst>
+          </p:cNvPr>
+          <p:cNvPicPr>
+            <a:picLocks noChangeAspect="1"/>
+          </p:cNvPicPr>
+          <p:nvPr/>
+        </p:nvPicPr>
+        <p:blipFill>
+          <a:blip r:embed="rId3"/>
+          <a:stretch>
+            <a:fillRect/>
+          </a:stretch>
+        </p:blipFill>
+        <p:spPr>
+          <a:xfrm>
+            <a:off x="1739475" y="1957834"/>
+            <a:ext cx="8713050" cy="4398516"/>
+          </a:xfrm>
+          <a:prstGeom prst="rect">
+            <a:avLst/>
+          </a:prstGeom>
+        </p:spPr>
+      </p:pic>
+    </p:spTree>
+    <p:extLst>
+      <p:ext uri="{BB962C8B-B14F-4D97-AF65-F5344CB8AC3E}">
+        <p14:creationId xmlns:p14="http://schemas.microsoft.com/office/powerpoint/2010/main" val="3478845160"/>
+      </p:ext>
+    </p:extLst>
+  </p:cSld>
+  <p:clrMapOvr>
+    <a:masterClrMapping/>
+  </p:clrMapOvr>
+</p:sld>
+</file>
+
+<file path=ppt/slides/slide16.xml><?xml version="1.0" encoding="utf-8"?>
+<p:sld xmlns:a="http://schemas.openxmlformats.org/drawingml/2006/main" xmlns:r="http://schemas.openxmlformats.org/officeDocument/2006/relationships" xmlns:p="http://schemas.openxmlformats.org/presentationml/2006/main">
+  <p:cSld>
+    <p:spTree>
+      <p:nvGrpSpPr>
+        <p:cNvPr id="1" name=""/>
+        <p:cNvGrpSpPr/>
+        <p:nvPr/>
+      </p:nvGrpSpPr>
+      <p:grpSpPr>
+        <a:xfrm>
+          <a:off x="0" y="0"/>
+          <a:ext cx="0" cy="0"/>
+          <a:chOff x="0" y="0"/>
+          <a:chExt cx="0" cy="0"/>
+        </a:xfrm>
+      </p:grpSpPr>
+      <p:sp>
+        <p:nvSpPr>
+          <p:cNvPr id="2" name="Title 1">
+            <a:extLst>
+              <a:ext uri="{FF2B5EF4-FFF2-40B4-BE49-F238E27FC236}">
+                <a16:creationId xmlns:a16="http://schemas.microsoft.com/office/drawing/2014/main" id="{309E7621-D85E-4200-BF64-A166C80B4A5F}"/>
+              </a:ext>
+            </a:extLst>
+          </p:cNvPr>
+          <p:cNvSpPr>
+            <a:spLocks noGrp="1"/>
+          </p:cNvSpPr>
+          <p:nvPr>
+            <p:ph type="title"/>
+          </p:nvPr>
+        </p:nvSpPr>
+        <p:spPr/>
+        <p:txBody>
+          <a:bodyPr>
+            <a:normAutofit fontScale="90000"/>
+          </a:bodyPr>
+          <a:lstStyle/>
+          <a:p>
+            <a:pPr algn="ctr"/>
+            <a:r>
+              <a:rPr lang="en-US" sz="3600" dirty="0"/>
+              <a:t>NVUM: Non-Volatile Unbiased Memory for</a:t>
+            </a:r>
+            <a:br>
+              <a:rPr lang="en-US" sz="3600" dirty="0"/>
+            </a:br>
+            <a:r>
+              <a:rPr lang="en-US" sz="3600" dirty="0"/>
+              <a:t>Robust Medical Image Classification</a:t>
+            </a:r>
+            <a:br>
+              <a:rPr lang="en-US" sz="3600" dirty="0"/>
+            </a:br>
+            <a:r>
+              <a:rPr lang="en-US" sz="1800" dirty="0"/>
+              <a:t>MICCAI – 2022</a:t>
+            </a:r>
+            <a:br>
+              <a:rPr lang="en-US" sz="1800" dirty="0"/>
+            </a:br>
+            <a:r>
+              <a:rPr lang="en-US" sz="1800" dirty="0"/>
+              <a:t>Aug 2022</a:t>
+            </a:r>
+            <a:endParaRPr lang="en-US" sz="2200" dirty="0"/>
+          </a:p>
+        </p:txBody>
+      </p:sp>
+      <p:sp>
+        <p:nvSpPr>
+          <p:cNvPr id="3" name="Content Placeholder 2">
+            <a:extLst>
+              <a:ext uri="{FF2B5EF4-FFF2-40B4-BE49-F238E27FC236}">
+                <a16:creationId xmlns:a16="http://schemas.microsoft.com/office/drawing/2014/main" id="{26E4F456-85EC-303C-EBA4-D1A22FBDE13B}"/>
+              </a:ext>
+            </a:extLst>
+          </p:cNvPr>
+          <p:cNvSpPr>
+            <a:spLocks noGrp="1"/>
+          </p:cNvSpPr>
+          <p:nvPr>
+            <p:ph idx="1"/>
+          </p:nvPr>
+        </p:nvSpPr>
+        <p:spPr/>
+        <p:txBody>
+          <a:bodyPr/>
+          <a:lstStyle/>
+          <a:p>
+            <a:r>
+              <a:rPr lang="en-US" dirty="0"/>
+              <a:t>Results</a:t>
+            </a:r>
+          </a:p>
+        </p:txBody>
+      </p:sp>
+      <p:sp>
+        <p:nvSpPr>
+          <p:cNvPr id="9" name="Slide Number Placeholder 8">
+            <a:extLst>
+              <a:ext uri="{FF2B5EF4-FFF2-40B4-BE49-F238E27FC236}">
+                <a16:creationId xmlns:a16="http://schemas.microsoft.com/office/drawing/2014/main" id="{A594C463-6E5C-B774-177F-AB0852C2F1BA}"/>
+              </a:ext>
+            </a:extLst>
+          </p:cNvPr>
+          <p:cNvSpPr>
+            <a:spLocks noGrp="1"/>
+          </p:cNvSpPr>
+          <p:nvPr>
+            <p:ph type="sldNum" sz="quarter" idx="12"/>
+          </p:nvPr>
+        </p:nvSpPr>
+        <p:spPr/>
+        <p:txBody>
+          <a:bodyPr/>
+          <a:lstStyle/>
+          <a:p>
+            <a:fld id="{8675CED3-2DE4-4D00-9C8D-51B9A2902944}" type="slidenum">
+              <a:rPr lang="en-US" smtClean="0"/>
+              <a:t>16</a:t>
+            </a:fld>
+            <a:endParaRPr lang="en-US"/>
+          </a:p>
+        </p:txBody>
+      </p:sp>
+      <p:sp>
+        <p:nvSpPr>
+          <p:cNvPr id="12" name="TextBox 11">
+            <a:extLst>
+              <a:ext uri="{FF2B5EF4-FFF2-40B4-BE49-F238E27FC236}">
+                <a16:creationId xmlns:a16="http://schemas.microsoft.com/office/drawing/2014/main" id="{F62D6CF2-C5C2-6053-AFD8-AAFE44D610C2}"/>
+              </a:ext>
+            </a:extLst>
+          </p:cNvPr>
+          <p:cNvSpPr txBox="1"/>
+          <p:nvPr/>
+        </p:nvSpPr>
+        <p:spPr>
+          <a:xfrm>
+            <a:off x="96254" y="108453"/>
+            <a:ext cx="346570" cy="477054"/>
+          </a:xfrm>
+          <a:prstGeom prst="rect">
+            <a:avLst/>
+          </a:prstGeom>
+          <a:noFill/>
+        </p:spPr>
+        <p:txBody>
+          <a:bodyPr wrap="none" rtlCol="0">
+            <a:spAutoFit/>
+          </a:bodyPr>
+          <a:lstStyle/>
+          <a:p>
+            <a:r>
+              <a:rPr lang="en-US" sz="2500" dirty="0"/>
+              <a:t>5</a:t>
+            </a:r>
+          </a:p>
+        </p:txBody>
+      </p:sp>
+      <p:sp>
+        <p:nvSpPr>
+          <p:cNvPr id="4" name="TextBox 3">
+            <a:extLst>
+              <a:ext uri="{FF2B5EF4-FFF2-40B4-BE49-F238E27FC236}">
+                <a16:creationId xmlns:a16="http://schemas.microsoft.com/office/drawing/2014/main" id="{A7C95D05-F34F-A688-C91D-1CB7E77BDF97}"/>
+              </a:ext>
+            </a:extLst>
+          </p:cNvPr>
+          <p:cNvSpPr txBox="1"/>
+          <p:nvPr/>
+        </p:nvSpPr>
+        <p:spPr>
+          <a:xfrm>
+            <a:off x="6997904" y="1279497"/>
+            <a:ext cx="1155957" cy="369332"/>
+          </a:xfrm>
+          <a:prstGeom prst="rect">
+            <a:avLst/>
+          </a:prstGeom>
+          <a:noFill/>
+        </p:spPr>
+        <p:txBody>
+          <a:bodyPr wrap="none" rtlCol="0">
+            <a:spAutoFit/>
+          </a:bodyPr>
+          <a:lstStyle/>
+          <a:p>
+            <a:r>
+              <a:rPr lang="en-US" u="sng" dirty="0">
+                <a:hlinkClick r:id="rId2"/>
+              </a:rPr>
+              <a:t>Paper Link</a:t>
+            </a:r>
+            <a:endParaRPr lang="en-US" u="sng" dirty="0"/>
+          </a:p>
+        </p:txBody>
+      </p:sp>
+      <p:pic>
+        <p:nvPicPr>
+          <p:cNvPr id="8" name="Picture 7">
+            <a:extLst>
+              <a:ext uri="{FF2B5EF4-FFF2-40B4-BE49-F238E27FC236}">
+                <a16:creationId xmlns:a16="http://schemas.microsoft.com/office/drawing/2014/main" id="{8B608327-15AB-4F03-CF73-27322309044C}"/>
+              </a:ext>
+            </a:extLst>
+          </p:cNvPr>
+          <p:cNvPicPr>
+            <a:picLocks noChangeAspect="1"/>
+          </p:cNvPicPr>
+          <p:nvPr/>
+        </p:nvPicPr>
+        <p:blipFill>
+          <a:blip r:embed="rId3"/>
+          <a:stretch>
+            <a:fillRect/>
+          </a:stretch>
+        </p:blipFill>
+        <p:spPr>
+          <a:xfrm>
+            <a:off x="2218202" y="2208441"/>
+            <a:ext cx="7792537" cy="4058216"/>
+          </a:xfrm>
+          <a:prstGeom prst="rect">
+            <a:avLst/>
+          </a:prstGeom>
+        </p:spPr>
+      </p:pic>
+    </p:spTree>
+    <p:extLst>
+      <p:ext uri="{BB962C8B-B14F-4D97-AF65-F5344CB8AC3E}">
+        <p14:creationId xmlns:p14="http://schemas.microsoft.com/office/powerpoint/2010/main" val="2013602168"/>
+      </p:ext>
+    </p:extLst>
+  </p:cSld>
+  <p:clrMapOvr>
+    <a:masterClrMapping/>
+  </p:clrMapOvr>
+</p:sld>
+</file>
+
+<file path=ppt/slides/slide17.xml><?xml version="1.0" encoding="utf-8"?>
+<p:sld xmlns:a="http://schemas.openxmlformats.org/drawingml/2006/main" xmlns:r="http://schemas.openxmlformats.org/officeDocument/2006/relationships" xmlns:p="http://schemas.openxmlformats.org/presentationml/2006/main">
+  <p:cSld>
+    <p:spTree>
+      <p:nvGrpSpPr>
+        <p:cNvPr id="1" name=""/>
+        <p:cNvGrpSpPr/>
+        <p:nvPr/>
+      </p:nvGrpSpPr>
+      <p:grpSpPr>
+        <a:xfrm>
+          <a:off x="0" y="0"/>
+          <a:ext cx="0" cy="0"/>
+          <a:chOff x="0" y="0"/>
+          <a:chExt cx="0" cy="0"/>
+        </a:xfrm>
+      </p:grpSpPr>
+      <p:sp>
+        <p:nvSpPr>
+          <p:cNvPr id="3" name="Content Placeholder 2">
+            <a:extLst>
+              <a:ext uri="{FF2B5EF4-FFF2-40B4-BE49-F238E27FC236}">
+                <a16:creationId xmlns:a16="http://schemas.microsoft.com/office/drawing/2014/main" id="{26E4F456-85EC-303C-EBA4-D1A22FBDE13B}"/>
+              </a:ext>
+            </a:extLst>
+          </p:cNvPr>
+          <p:cNvSpPr>
+            <a:spLocks noGrp="1"/>
+          </p:cNvSpPr>
+          <p:nvPr>
+            <p:ph idx="1"/>
+          </p:nvPr>
+        </p:nvSpPr>
+        <p:spPr>
+          <a:xfrm>
+            <a:off x="483268" y="2187574"/>
+            <a:ext cx="11225463" cy="4351338"/>
+          </a:xfrm>
+        </p:spPr>
+        <p:txBody>
+          <a:bodyPr>
+            <a:normAutofit fontScale="92500" lnSpcReduction="10000"/>
+          </a:bodyPr>
+          <a:lstStyle/>
+          <a:p>
+            <a:r>
+              <a:rPr lang="en-US" dirty="0"/>
+              <a:t>Main Contribution – Addresses homogeneity and low color contrast parts</a:t>
+            </a:r>
+          </a:p>
+          <a:p>
+            <a:pPr lvl="1"/>
+            <a:r>
+              <a:rPr lang="en-US" dirty="0"/>
+              <a:t>Uses weakly-supervised semantic segmentation (WSSS)</a:t>
+            </a:r>
+          </a:p>
+          <a:p>
+            <a:pPr lvl="1"/>
+            <a:r>
+              <a:rPr lang="en-US" dirty="0"/>
+              <a:t>Uses 2 level training –</a:t>
+            </a:r>
+          </a:p>
+          <a:p>
+            <a:pPr lvl="2"/>
+            <a:r>
+              <a:rPr lang="en-US" dirty="0"/>
+              <a:t>Creates a pseudo pixel-level mask using Class Activation Masks (CAM) (Calculated by multiplying feature maps from CNN with weights of classifier).</a:t>
+            </a:r>
+          </a:p>
+          <a:p>
+            <a:pPr lvl="2"/>
+            <a:r>
+              <a:rPr lang="en-US" dirty="0"/>
+              <a:t>The above mask provides a weak supervision for the segmentation task where model has a contextual estimation on where the focusable region.</a:t>
+            </a:r>
+          </a:p>
+          <a:p>
+            <a:pPr lvl="1"/>
+            <a:r>
+              <a:rPr lang="en-US" dirty="0"/>
+              <a:t>Uses weighted cross-entropy loss using loss weight maps.</a:t>
+            </a:r>
+          </a:p>
+          <a:p>
+            <a:pPr lvl="2"/>
+            <a:r>
+              <a:rPr lang="en-US" dirty="0"/>
+              <a:t>The loss weight maps are calculated using confidence and loss values across categories between the segmentation prediction map and ground truth map.</a:t>
+            </a:r>
+          </a:p>
+          <a:p>
+            <a:pPr lvl="1"/>
+            <a:endParaRPr lang="en-US" dirty="0"/>
+          </a:p>
+          <a:p>
+            <a:pPr marL="0" indent="0">
+              <a:buNone/>
+            </a:pPr>
+            <a:r>
+              <a:rPr lang="en-US" sz="2200" dirty="0">
+                <a:solidFill>
+                  <a:srgbClr val="FF0000"/>
+                </a:solidFill>
+              </a:rPr>
+              <a:t>Models trained on pseudo masks can potentially generalize better to unseen data. This is because the process of generating pseudo masks often involves some form of model uncertainty, which can act as a form of regularization and prevent overfitting to the training data.</a:t>
+            </a:r>
+          </a:p>
+        </p:txBody>
+      </p:sp>
+      <p:sp>
+        <p:nvSpPr>
+          <p:cNvPr id="4" name="TextBox 3">
+            <a:extLst>
+              <a:ext uri="{FF2B5EF4-FFF2-40B4-BE49-F238E27FC236}">
+                <a16:creationId xmlns:a16="http://schemas.microsoft.com/office/drawing/2014/main" id="{32434F6E-7FE6-8A51-754B-0FCB91379D63}"/>
+              </a:ext>
+            </a:extLst>
+          </p:cNvPr>
+          <p:cNvSpPr txBox="1"/>
+          <p:nvPr/>
+        </p:nvSpPr>
+        <p:spPr>
+          <a:xfrm>
+            <a:off x="6741230" y="1506022"/>
+            <a:ext cx="1155957" cy="369332"/>
+          </a:xfrm>
+          <a:prstGeom prst="rect">
+            <a:avLst/>
+          </a:prstGeom>
+          <a:noFill/>
+        </p:spPr>
+        <p:txBody>
+          <a:bodyPr wrap="none" rtlCol="0">
+            <a:spAutoFit/>
+          </a:bodyPr>
+          <a:lstStyle/>
+          <a:p>
+            <a:r>
+              <a:rPr lang="en-US" u="sng" dirty="0">
+                <a:hlinkClick r:id="rId2"/>
+              </a:rPr>
+              <a:t>Paper Link</a:t>
+            </a:r>
+            <a:endParaRPr lang="en-US" u="sng" dirty="0"/>
+          </a:p>
+        </p:txBody>
+      </p:sp>
+      <p:sp>
+        <p:nvSpPr>
+          <p:cNvPr id="6" name="Slide Number Placeholder 5">
+            <a:extLst>
+              <a:ext uri="{FF2B5EF4-FFF2-40B4-BE49-F238E27FC236}">
+                <a16:creationId xmlns:a16="http://schemas.microsoft.com/office/drawing/2014/main" id="{C58F4DBE-E902-6F48-505F-97718A640024}"/>
+              </a:ext>
+            </a:extLst>
+          </p:cNvPr>
+          <p:cNvSpPr>
+            <a:spLocks noGrp="1"/>
+          </p:cNvSpPr>
+          <p:nvPr>
+            <p:ph type="sldNum" sz="quarter" idx="12"/>
+          </p:nvPr>
+        </p:nvSpPr>
+        <p:spPr/>
+        <p:txBody>
+          <a:bodyPr/>
+          <a:lstStyle/>
+          <a:p>
+            <a:fld id="{8675CED3-2DE4-4D00-9C8D-51B9A2902944}" type="slidenum">
+              <a:rPr lang="en-US" smtClean="0"/>
+              <a:t>17</a:t>
+            </a:fld>
+            <a:endParaRPr lang="en-US"/>
+          </a:p>
+        </p:txBody>
+      </p:sp>
+      <p:sp>
+        <p:nvSpPr>
+          <p:cNvPr id="5" name="TextBox 4">
+            <a:extLst>
+              <a:ext uri="{FF2B5EF4-FFF2-40B4-BE49-F238E27FC236}">
+                <a16:creationId xmlns:a16="http://schemas.microsoft.com/office/drawing/2014/main" id="{4DA0C051-21BE-D84F-D6D3-56223340072B}"/>
+              </a:ext>
+            </a:extLst>
+          </p:cNvPr>
+          <p:cNvSpPr txBox="1"/>
+          <p:nvPr/>
+        </p:nvSpPr>
+        <p:spPr>
+          <a:xfrm>
+            <a:off x="96254" y="108453"/>
+            <a:ext cx="346570" cy="477054"/>
+          </a:xfrm>
+          <a:prstGeom prst="rect">
+            <a:avLst/>
+          </a:prstGeom>
+          <a:noFill/>
+        </p:spPr>
+        <p:txBody>
+          <a:bodyPr wrap="none" rtlCol="0">
+            <a:spAutoFit/>
+          </a:bodyPr>
+          <a:lstStyle/>
+          <a:p>
+            <a:r>
+              <a:rPr lang="en-US" sz="2500" dirty="0"/>
+              <a:t>6</a:t>
+            </a:r>
+          </a:p>
+        </p:txBody>
+      </p:sp>
+      <p:sp>
+        <p:nvSpPr>
+          <p:cNvPr id="9" name="Title 1">
+            <a:extLst>
+              <a:ext uri="{FF2B5EF4-FFF2-40B4-BE49-F238E27FC236}">
+                <a16:creationId xmlns:a16="http://schemas.microsoft.com/office/drawing/2014/main" id="{CA99D13F-A58B-643E-66AB-D7349C59BABB}"/>
+              </a:ext>
+            </a:extLst>
+          </p:cNvPr>
+          <p:cNvSpPr>
+            <a:spLocks noGrp="1"/>
+          </p:cNvSpPr>
+          <p:nvPr>
+            <p:ph type="title"/>
+          </p:nvPr>
+        </p:nvSpPr>
+        <p:spPr>
+          <a:xfrm>
+            <a:off x="838200" y="365125"/>
+            <a:ext cx="10515600" cy="1325563"/>
+          </a:xfrm>
+        </p:spPr>
+        <p:txBody>
+          <a:bodyPr>
+            <a:normAutofit fontScale="90000"/>
+          </a:bodyPr>
+          <a:lstStyle/>
+          <a:p>
+            <a:pPr algn="ctr"/>
+            <a:r>
+              <a:rPr lang="en-US" sz="3600" dirty="0"/>
+              <a:t>Online Easy Example Mining for</a:t>
+            </a:r>
+            <a:br>
+              <a:rPr lang="en-US" sz="3600" dirty="0"/>
+            </a:br>
+            <a:r>
+              <a:rPr lang="en-US" sz="3600" dirty="0"/>
+              <a:t>Weakly-supervised Gland Segmentation from</a:t>
+            </a:r>
+            <a:br>
+              <a:rPr lang="en-US" sz="3600" dirty="0"/>
+            </a:br>
+            <a:r>
+              <a:rPr lang="en-US" sz="3600" dirty="0"/>
+              <a:t>Histology Images</a:t>
+            </a:r>
+            <a:br>
+              <a:rPr lang="en-US" sz="3600" dirty="0"/>
+            </a:br>
+            <a:r>
+              <a:rPr lang="en-US" sz="1800" dirty="0"/>
+              <a:t>MICCAI – 2022</a:t>
+            </a:r>
+            <a:br>
+              <a:rPr lang="en-US" sz="1800" dirty="0"/>
+            </a:br>
+            <a:r>
+              <a:rPr lang="en-US" sz="1800" dirty="0"/>
+              <a:t>June 2022</a:t>
+            </a:r>
+            <a:endParaRPr lang="en-US" sz="2200" dirty="0"/>
+          </a:p>
+        </p:txBody>
+      </p:sp>
+    </p:spTree>
+    <p:extLst>
+      <p:ext uri="{BB962C8B-B14F-4D97-AF65-F5344CB8AC3E}">
+        <p14:creationId xmlns:p14="http://schemas.microsoft.com/office/powerpoint/2010/main" val="2832470290"/>
+      </p:ext>
+    </p:extLst>
+  </p:cSld>
+  <p:clrMapOvr>
+    <a:masterClrMapping/>
+  </p:clrMapOvr>
+</p:sld>
+</file>
+
+<file path=ppt/slides/slide18.xml><?xml version="1.0" encoding="utf-8"?>
+<p:sld xmlns:a="http://schemas.openxmlformats.org/drawingml/2006/main" xmlns:r="http://schemas.openxmlformats.org/officeDocument/2006/relationships" xmlns:p="http://schemas.openxmlformats.org/presentationml/2006/main">
+  <p:cSld>
+    <p:spTree>
+      <p:nvGrpSpPr>
+        <p:cNvPr id="1" name=""/>
+        <p:cNvGrpSpPr/>
+        <p:nvPr/>
+      </p:nvGrpSpPr>
+      <p:grpSpPr>
+        <a:xfrm>
+          <a:off x="0" y="0"/>
+          <a:ext cx="0" cy="0"/>
+          <a:chOff x="0" y="0"/>
+          <a:chExt cx="0" cy="0"/>
+        </a:xfrm>
+      </p:grpSpPr>
+      <p:sp>
+        <p:nvSpPr>
+          <p:cNvPr id="2" name="Title 1">
+            <a:extLst>
+              <a:ext uri="{FF2B5EF4-FFF2-40B4-BE49-F238E27FC236}">
+                <a16:creationId xmlns:a16="http://schemas.microsoft.com/office/drawing/2014/main" id="{309E7621-D85E-4200-BF64-A166C80B4A5F}"/>
+              </a:ext>
+            </a:extLst>
+          </p:cNvPr>
+          <p:cNvSpPr>
+            <a:spLocks noGrp="1"/>
+          </p:cNvSpPr>
+          <p:nvPr>
+            <p:ph type="title"/>
+          </p:nvPr>
+        </p:nvSpPr>
+        <p:spPr/>
+        <p:txBody>
+          <a:bodyPr>
+            <a:normAutofit fontScale="90000"/>
+          </a:bodyPr>
+          <a:lstStyle/>
+          <a:p>
+            <a:pPr algn="ctr"/>
+            <a:r>
+              <a:rPr lang="en-US" sz="3600" dirty="0"/>
+              <a:t>Online Easy Example Mining for</a:t>
+            </a:r>
+            <a:br>
+              <a:rPr lang="en-US" sz="3600" dirty="0"/>
+            </a:br>
+            <a:r>
+              <a:rPr lang="en-US" sz="3600" dirty="0"/>
+              <a:t>Weakly-supervised Gland Segmentation from</a:t>
+            </a:r>
+            <a:br>
+              <a:rPr lang="en-US" sz="3600" dirty="0"/>
+            </a:br>
+            <a:r>
+              <a:rPr lang="en-US" sz="3600" dirty="0"/>
+              <a:t>Histology Images</a:t>
+            </a:r>
+            <a:br>
+              <a:rPr lang="en-US" sz="3600" dirty="0"/>
+            </a:br>
+            <a:r>
+              <a:rPr lang="en-US" sz="1800" dirty="0"/>
+              <a:t>MICCAI – 2022</a:t>
+            </a:r>
+            <a:br>
+              <a:rPr lang="en-US" sz="1800" dirty="0"/>
+            </a:br>
+            <a:r>
+              <a:rPr lang="en-US" sz="1800" dirty="0"/>
+              <a:t>June 2022</a:t>
+            </a:r>
+            <a:endParaRPr lang="en-US" sz="2200" dirty="0"/>
+          </a:p>
+        </p:txBody>
+      </p:sp>
+      <p:sp>
+        <p:nvSpPr>
+          <p:cNvPr id="9" name="Slide Number Placeholder 8">
+            <a:extLst>
+              <a:ext uri="{FF2B5EF4-FFF2-40B4-BE49-F238E27FC236}">
+                <a16:creationId xmlns:a16="http://schemas.microsoft.com/office/drawing/2014/main" id="{44A65774-2304-39B1-2BAC-23F7AEB918A1}"/>
+              </a:ext>
+            </a:extLst>
+          </p:cNvPr>
+          <p:cNvSpPr>
+            <a:spLocks noGrp="1"/>
+          </p:cNvSpPr>
+          <p:nvPr>
+            <p:ph type="sldNum" sz="quarter" idx="12"/>
+          </p:nvPr>
+        </p:nvSpPr>
+        <p:spPr/>
+        <p:txBody>
+          <a:bodyPr/>
+          <a:lstStyle/>
+          <a:p>
+            <a:fld id="{8675CED3-2DE4-4D00-9C8D-51B9A2902944}" type="slidenum">
+              <a:rPr lang="en-US" smtClean="0"/>
+              <a:t>18</a:t>
+            </a:fld>
+            <a:endParaRPr lang="en-US"/>
+          </a:p>
+        </p:txBody>
+      </p:sp>
+      <p:sp>
+        <p:nvSpPr>
+          <p:cNvPr id="13" name="TextBox 12">
+            <a:extLst>
+              <a:ext uri="{FF2B5EF4-FFF2-40B4-BE49-F238E27FC236}">
+                <a16:creationId xmlns:a16="http://schemas.microsoft.com/office/drawing/2014/main" id="{9735FF99-CCB2-AB4E-805B-CCA83F938111}"/>
+              </a:ext>
+            </a:extLst>
+          </p:cNvPr>
+          <p:cNvSpPr txBox="1"/>
+          <p:nvPr/>
+        </p:nvSpPr>
+        <p:spPr>
+          <a:xfrm>
+            <a:off x="96254" y="108453"/>
+            <a:ext cx="346570" cy="477054"/>
+          </a:xfrm>
+          <a:prstGeom prst="rect">
+            <a:avLst/>
+          </a:prstGeom>
+          <a:noFill/>
+        </p:spPr>
+        <p:txBody>
+          <a:bodyPr wrap="none" rtlCol="0">
+            <a:spAutoFit/>
+          </a:bodyPr>
+          <a:lstStyle/>
+          <a:p>
+            <a:r>
+              <a:rPr lang="en-US" sz="2500" dirty="0"/>
+              <a:t>6</a:t>
+            </a:r>
+          </a:p>
+        </p:txBody>
+      </p:sp>
+      <p:sp>
+        <p:nvSpPr>
+          <p:cNvPr id="5" name="TextBox 4">
+            <a:extLst>
+              <a:ext uri="{FF2B5EF4-FFF2-40B4-BE49-F238E27FC236}">
+                <a16:creationId xmlns:a16="http://schemas.microsoft.com/office/drawing/2014/main" id="{706DED00-D7EA-CC7D-F5FA-441E83DFEE2B}"/>
+              </a:ext>
+            </a:extLst>
+          </p:cNvPr>
+          <p:cNvSpPr txBox="1"/>
+          <p:nvPr/>
+        </p:nvSpPr>
+        <p:spPr>
+          <a:xfrm>
+            <a:off x="6741230" y="1506022"/>
+            <a:ext cx="1155957" cy="369332"/>
+          </a:xfrm>
+          <a:prstGeom prst="rect">
+            <a:avLst/>
+          </a:prstGeom>
+          <a:noFill/>
+        </p:spPr>
+        <p:txBody>
+          <a:bodyPr wrap="none" rtlCol="0">
+            <a:spAutoFit/>
+          </a:bodyPr>
+          <a:lstStyle/>
+          <a:p>
+            <a:r>
+              <a:rPr lang="en-US" u="sng" dirty="0">
+                <a:hlinkClick r:id="rId2"/>
+              </a:rPr>
+              <a:t>Paper Link</a:t>
+            </a:r>
+            <a:endParaRPr lang="en-US" u="sng" dirty="0"/>
+          </a:p>
+        </p:txBody>
+      </p:sp>
+      <p:pic>
+        <p:nvPicPr>
+          <p:cNvPr id="8" name="Picture 7">
+            <a:extLst>
+              <a:ext uri="{FF2B5EF4-FFF2-40B4-BE49-F238E27FC236}">
+                <a16:creationId xmlns:a16="http://schemas.microsoft.com/office/drawing/2014/main" id="{AE2DB910-8921-F296-0C3B-D9E080ECC250}"/>
+              </a:ext>
+            </a:extLst>
+          </p:cNvPr>
+          <p:cNvPicPr>
+            <a:picLocks noChangeAspect="1"/>
+          </p:cNvPicPr>
+          <p:nvPr/>
+        </p:nvPicPr>
+        <p:blipFill rotWithShape="1">
+          <a:blip r:embed="rId3"/>
+          <a:srcRect r="1489" b="25150"/>
+          <a:stretch/>
+        </p:blipFill>
+        <p:spPr>
+          <a:xfrm>
+            <a:off x="105563" y="2353210"/>
+            <a:ext cx="7791624" cy="4368265"/>
+          </a:xfrm>
+          <a:prstGeom prst="rect">
+            <a:avLst/>
+          </a:prstGeom>
+        </p:spPr>
+      </p:pic>
+      <p:sp>
+        <p:nvSpPr>
+          <p:cNvPr id="12" name="TextBox 11">
+            <a:extLst>
+              <a:ext uri="{FF2B5EF4-FFF2-40B4-BE49-F238E27FC236}">
+                <a16:creationId xmlns:a16="http://schemas.microsoft.com/office/drawing/2014/main" id="{94FE2929-CEC3-4FF5-946A-D4EB48983E98}"/>
+              </a:ext>
+            </a:extLst>
+          </p:cNvPr>
+          <p:cNvSpPr txBox="1"/>
+          <p:nvPr/>
+        </p:nvSpPr>
+        <p:spPr>
+          <a:xfrm>
+            <a:off x="7738274" y="2537876"/>
+            <a:ext cx="4487852" cy="3785652"/>
+          </a:xfrm>
+          <a:prstGeom prst="rect">
+            <a:avLst/>
+          </a:prstGeom>
+          <a:noFill/>
+        </p:spPr>
+        <p:txBody>
+          <a:bodyPr wrap="square" rtlCol="0">
+            <a:spAutoFit/>
+          </a:bodyPr>
+          <a:lstStyle/>
+          <a:p>
+            <a:r>
+              <a:rPr lang="en-US" sz="2000" dirty="0"/>
+              <a:t>Fig. 2. Overview of our proposed</a:t>
+            </a:r>
+          </a:p>
+          <a:p>
+            <a:r>
+              <a:rPr lang="en-US" sz="2000" dirty="0"/>
+              <a:t> weakly-supervised gland segmentation </a:t>
+            </a:r>
+          </a:p>
+          <a:p>
+            <a:r>
+              <a:rPr lang="en-US" sz="2000" dirty="0"/>
+              <a:t>method with OEEM. </a:t>
+            </a:r>
+          </a:p>
+          <a:p>
+            <a:pPr marL="457200" indent="-457200">
+              <a:buAutoNum type="alphaLcParenBoth"/>
+            </a:pPr>
+            <a:r>
+              <a:rPr lang="en-US" sz="2000" dirty="0"/>
+              <a:t>Classification pipeline for pseudo-mask generation from CAM. </a:t>
+            </a:r>
+          </a:p>
+          <a:p>
+            <a:pPr marL="457200" indent="-457200">
+              <a:buAutoNum type="alphaLcParenBoth"/>
+            </a:pPr>
+            <a:r>
+              <a:rPr lang="en-US" sz="2000" dirty="0"/>
+              <a:t>Segmentation pipeline. </a:t>
+            </a:r>
+          </a:p>
+          <a:p>
+            <a:endParaRPr lang="en-US" sz="2000" dirty="0"/>
+          </a:p>
+          <a:p>
+            <a:r>
+              <a:rPr lang="en-US" sz="2000" dirty="0"/>
+              <a:t>We use weighted cross-entropy loss </a:t>
+            </a:r>
+            <a:r>
+              <a:rPr lang="en-US" sz="2000" dirty="0" err="1"/>
+              <a:t>L_wce</a:t>
+            </a:r>
+            <a:r>
+              <a:rPr lang="en-US" sz="2000" dirty="0"/>
+              <a:t> with weight map </a:t>
+            </a:r>
+            <a:r>
+              <a:rPr lang="en-US" sz="2000" dirty="0" err="1"/>
+              <a:t>Wl_norm</a:t>
+            </a:r>
+            <a:r>
+              <a:rPr lang="en-US" sz="2000" dirty="0"/>
+              <a:t> for multi-label patches. Here, the glandular tissues are shown in blue and non-glandular tissues are shown in green. </a:t>
+            </a:r>
+          </a:p>
+        </p:txBody>
+      </p:sp>
+    </p:spTree>
+    <p:extLst>
+      <p:ext uri="{BB962C8B-B14F-4D97-AF65-F5344CB8AC3E}">
+        <p14:creationId xmlns:p14="http://schemas.microsoft.com/office/powerpoint/2010/main" val="1968373125"/>
+      </p:ext>
+    </p:extLst>
+  </p:cSld>
+  <p:clrMapOvr>
+    <a:masterClrMapping/>
+  </p:clrMapOvr>
+</p:sld>
+</file>
+
+<file path=ppt/slides/slide19.xml><?xml version="1.0" encoding="utf-8"?>
+<p:sld xmlns:a="http://schemas.openxmlformats.org/drawingml/2006/main" xmlns:r="http://schemas.openxmlformats.org/officeDocument/2006/relationships" xmlns:p="http://schemas.openxmlformats.org/presentationml/2006/main">
+  <p:cSld>
+    <p:spTree>
+      <p:nvGrpSpPr>
+        <p:cNvPr id="1" name=""/>
+        <p:cNvGrpSpPr/>
+        <p:nvPr/>
+      </p:nvGrpSpPr>
+      <p:grpSpPr>
+        <a:xfrm>
+          <a:off x="0" y="0"/>
+          <a:ext cx="0" cy="0"/>
+          <a:chOff x="0" y="0"/>
+          <a:chExt cx="0" cy="0"/>
+        </a:xfrm>
+      </p:grpSpPr>
+      <p:sp>
+        <p:nvSpPr>
+          <p:cNvPr id="2" name="Title 1">
+            <a:extLst>
+              <a:ext uri="{FF2B5EF4-FFF2-40B4-BE49-F238E27FC236}">
+                <a16:creationId xmlns:a16="http://schemas.microsoft.com/office/drawing/2014/main" id="{309E7621-D85E-4200-BF64-A166C80B4A5F}"/>
+              </a:ext>
+            </a:extLst>
+          </p:cNvPr>
+          <p:cNvSpPr>
+            <a:spLocks noGrp="1"/>
+          </p:cNvSpPr>
+          <p:nvPr>
+            <p:ph type="title"/>
+          </p:nvPr>
+        </p:nvSpPr>
+        <p:spPr/>
+        <p:txBody>
+          <a:bodyPr>
+            <a:normAutofit fontScale="90000"/>
+          </a:bodyPr>
+          <a:lstStyle/>
+          <a:p>
+            <a:pPr algn="ctr"/>
+            <a:r>
+              <a:rPr lang="en-US" sz="3600" dirty="0"/>
+              <a:t>Online Easy Example Mining for</a:t>
+            </a:r>
+            <a:br>
+              <a:rPr lang="en-US" sz="3600" dirty="0"/>
+            </a:br>
+            <a:r>
+              <a:rPr lang="en-US" sz="3600" dirty="0"/>
+              <a:t>Weakly-supervised Gland Segmentation from</a:t>
+            </a:r>
+            <a:br>
+              <a:rPr lang="en-US" sz="3600" dirty="0"/>
+            </a:br>
+            <a:r>
+              <a:rPr lang="en-US" sz="3600" dirty="0"/>
+              <a:t>Histology Images</a:t>
+            </a:r>
+            <a:br>
+              <a:rPr lang="en-US" sz="3600" dirty="0"/>
+            </a:br>
+            <a:r>
+              <a:rPr lang="en-US" sz="1800" dirty="0"/>
+              <a:t>MICCAI – 2022</a:t>
+            </a:r>
+            <a:br>
+              <a:rPr lang="en-US" sz="1800" dirty="0"/>
+            </a:br>
+            <a:r>
+              <a:rPr lang="en-US" sz="1800" dirty="0"/>
+              <a:t>June 2022</a:t>
+            </a:r>
+            <a:endParaRPr lang="en-US" sz="2200" dirty="0"/>
+          </a:p>
+        </p:txBody>
+      </p:sp>
+      <p:sp>
+        <p:nvSpPr>
+          <p:cNvPr id="3" name="Content Placeholder 2">
+            <a:extLst>
+              <a:ext uri="{FF2B5EF4-FFF2-40B4-BE49-F238E27FC236}">
+                <a16:creationId xmlns:a16="http://schemas.microsoft.com/office/drawing/2014/main" id="{26E4F456-85EC-303C-EBA4-D1A22FBDE13B}"/>
+              </a:ext>
+            </a:extLst>
+          </p:cNvPr>
+          <p:cNvSpPr>
+            <a:spLocks noGrp="1"/>
+          </p:cNvSpPr>
+          <p:nvPr>
+            <p:ph idx="1"/>
+          </p:nvPr>
+        </p:nvSpPr>
+        <p:spPr/>
+        <p:txBody>
+          <a:bodyPr/>
+          <a:lstStyle/>
+          <a:p>
+            <a:r>
+              <a:rPr lang="en-US" dirty="0"/>
+              <a:t>Results</a:t>
+            </a:r>
+          </a:p>
+        </p:txBody>
+      </p:sp>
+      <p:sp>
+        <p:nvSpPr>
+          <p:cNvPr id="9" name="Slide Number Placeholder 8">
+            <a:extLst>
+              <a:ext uri="{FF2B5EF4-FFF2-40B4-BE49-F238E27FC236}">
+                <a16:creationId xmlns:a16="http://schemas.microsoft.com/office/drawing/2014/main" id="{A594C463-6E5C-B774-177F-AB0852C2F1BA}"/>
+              </a:ext>
+            </a:extLst>
+          </p:cNvPr>
+          <p:cNvSpPr>
+            <a:spLocks noGrp="1"/>
+          </p:cNvSpPr>
+          <p:nvPr>
+            <p:ph type="sldNum" sz="quarter" idx="12"/>
+          </p:nvPr>
+        </p:nvSpPr>
+        <p:spPr/>
+        <p:txBody>
+          <a:bodyPr/>
+          <a:lstStyle/>
+          <a:p>
+            <a:fld id="{8675CED3-2DE4-4D00-9C8D-51B9A2902944}" type="slidenum">
+              <a:rPr lang="en-US" smtClean="0"/>
+              <a:t>19</a:t>
+            </a:fld>
+            <a:endParaRPr lang="en-US"/>
+          </a:p>
+        </p:txBody>
+      </p:sp>
+      <p:sp>
+        <p:nvSpPr>
+          <p:cNvPr id="12" name="TextBox 11">
+            <a:extLst>
+              <a:ext uri="{FF2B5EF4-FFF2-40B4-BE49-F238E27FC236}">
+                <a16:creationId xmlns:a16="http://schemas.microsoft.com/office/drawing/2014/main" id="{F62D6CF2-C5C2-6053-AFD8-AAFE44D610C2}"/>
+              </a:ext>
+            </a:extLst>
+          </p:cNvPr>
+          <p:cNvSpPr txBox="1"/>
+          <p:nvPr/>
+        </p:nvSpPr>
+        <p:spPr>
+          <a:xfrm>
+            <a:off x="96254" y="108453"/>
+            <a:ext cx="346570" cy="477054"/>
+          </a:xfrm>
+          <a:prstGeom prst="rect">
+            <a:avLst/>
+          </a:prstGeom>
+          <a:noFill/>
+        </p:spPr>
+        <p:txBody>
+          <a:bodyPr wrap="none" rtlCol="0">
+            <a:spAutoFit/>
+          </a:bodyPr>
+          <a:lstStyle/>
+          <a:p>
+            <a:r>
+              <a:rPr lang="en-US" sz="2500" dirty="0"/>
+              <a:t>6</a:t>
+            </a:r>
+          </a:p>
+        </p:txBody>
+      </p:sp>
+      <p:sp>
+        <p:nvSpPr>
+          <p:cNvPr id="6" name="TextBox 5">
+            <a:extLst>
+              <a:ext uri="{FF2B5EF4-FFF2-40B4-BE49-F238E27FC236}">
+                <a16:creationId xmlns:a16="http://schemas.microsoft.com/office/drawing/2014/main" id="{D3D6B9B5-E127-377C-6429-555762557665}"/>
+              </a:ext>
+            </a:extLst>
+          </p:cNvPr>
+          <p:cNvSpPr txBox="1"/>
+          <p:nvPr/>
+        </p:nvSpPr>
+        <p:spPr>
+          <a:xfrm>
+            <a:off x="6741230" y="1506022"/>
+            <a:ext cx="1155957" cy="369332"/>
+          </a:xfrm>
+          <a:prstGeom prst="rect">
+            <a:avLst/>
+          </a:prstGeom>
+          <a:noFill/>
+        </p:spPr>
+        <p:txBody>
+          <a:bodyPr wrap="none" rtlCol="0">
+            <a:spAutoFit/>
+          </a:bodyPr>
+          <a:lstStyle/>
+          <a:p>
+            <a:r>
+              <a:rPr lang="en-US" u="sng" dirty="0">
+                <a:hlinkClick r:id="rId2"/>
+              </a:rPr>
+              <a:t>Paper Link</a:t>
+            </a:r>
+            <a:endParaRPr lang="en-US" u="sng" dirty="0"/>
+          </a:p>
+        </p:txBody>
+      </p:sp>
+      <p:pic>
+        <p:nvPicPr>
+          <p:cNvPr id="10" name="Picture 9">
+            <a:extLst>
+              <a:ext uri="{FF2B5EF4-FFF2-40B4-BE49-F238E27FC236}">
+                <a16:creationId xmlns:a16="http://schemas.microsoft.com/office/drawing/2014/main" id="{E635347E-99F0-5996-2139-D86F07B0C54A}"/>
+              </a:ext>
+            </a:extLst>
+          </p:cNvPr>
+          <p:cNvPicPr>
+            <a:picLocks noChangeAspect="1"/>
+          </p:cNvPicPr>
+          <p:nvPr/>
+        </p:nvPicPr>
+        <p:blipFill>
+          <a:blip r:embed="rId3"/>
+          <a:stretch>
+            <a:fillRect/>
+          </a:stretch>
+        </p:blipFill>
+        <p:spPr>
+          <a:xfrm>
+            <a:off x="417130" y="2831585"/>
+            <a:ext cx="6324100" cy="2894363"/>
+          </a:xfrm>
+          <a:prstGeom prst="rect">
+            <a:avLst/>
+          </a:prstGeom>
+        </p:spPr>
+      </p:pic>
+      <p:pic>
+        <p:nvPicPr>
+          <p:cNvPr id="13" name="Picture 12">
+            <a:extLst>
+              <a:ext uri="{FF2B5EF4-FFF2-40B4-BE49-F238E27FC236}">
+                <a16:creationId xmlns:a16="http://schemas.microsoft.com/office/drawing/2014/main" id="{A485F09D-AB17-FD02-857A-02D5CD900BA1}"/>
+              </a:ext>
+            </a:extLst>
+          </p:cNvPr>
+          <p:cNvPicPr>
+            <a:picLocks noChangeAspect="1"/>
+          </p:cNvPicPr>
+          <p:nvPr/>
+        </p:nvPicPr>
+        <p:blipFill>
+          <a:blip r:embed="rId4"/>
+          <a:stretch>
+            <a:fillRect/>
+          </a:stretch>
+        </p:blipFill>
+        <p:spPr>
+          <a:xfrm>
+            <a:off x="6680307" y="2925135"/>
+            <a:ext cx="5511693" cy="2426843"/>
+          </a:xfrm>
+          <a:prstGeom prst="rect">
+            <a:avLst/>
+          </a:prstGeom>
+        </p:spPr>
+      </p:pic>
+    </p:spTree>
+    <p:extLst>
+      <p:ext uri="{BB962C8B-B14F-4D97-AF65-F5344CB8AC3E}">
+        <p14:creationId xmlns:p14="http://schemas.microsoft.com/office/powerpoint/2010/main" val="1476885963"/>
       </p:ext>
     </p:extLst>
   </p:cSld>
@@ -4195,10 +6660,788 @@
           </a:p>
         </p:txBody>
       </p:sp>
+      <p:sp>
+        <p:nvSpPr>
+          <p:cNvPr id="4" name="TextBox 3">
+            <a:extLst>
+              <a:ext uri="{FF2B5EF4-FFF2-40B4-BE49-F238E27FC236}">
+                <a16:creationId xmlns:a16="http://schemas.microsoft.com/office/drawing/2014/main" id="{8AF9FA15-B7EC-24CE-2FEF-6925207D16E0}"/>
+              </a:ext>
+            </a:extLst>
+          </p:cNvPr>
+          <p:cNvSpPr txBox="1"/>
+          <p:nvPr/>
+        </p:nvSpPr>
+        <p:spPr>
+          <a:xfrm>
+            <a:off x="96254" y="108453"/>
+            <a:ext cx="346570" cy="477054"/>
+          </a:xfrm>
+          <a:prstGeom prst="rect">
+            <a:avLst/>
+          </a:prstGeom>
+          <a:noFill/>
+        </p:spPr>
+        <p:txBody>
+          <a:bodyPr wrap="none" rtlCol="0">
+            <a:spAutoFit/>
+          </a:bodyPr>
+          <a:lstStyle/>
+          <a:p>
+            <a:r>
+              <a:rPr lang="en-US" sz="2500" dirty="0"/>
+              <a:t>1</a:t>
+            </a:r>
+          </a:p>
+        </p:txBody>
+      </p:sp>
     </p:spTree>
     <p:extLst>
       <p:ext uri="{BB962C8B-B14F-4D97-AF65-F5344CB8AC3E}">
         <p14:creationId xmlns:p14="http://schemas.microsoft.com/office/powerpoint/2010/main" val="996659551"/>
+      </p:ext>
+    </p:extLst>
+  </p:cSld>
+  <p:clrMapOvr>
+    <a:masterClrMapping/>
+  </p:clrMapOvr>
+</p:sld>
+</file>
+
+<file path=ppt/slides/slide20.xml><?xml version="1.0" encoding="utf-8"?>
+<p:sld xmlns:a="http://schemas.openxmlformats.org/drawingml/2006/main" xmlns:r="http://schemas.openxmlformats.org/officeDocument/2006/relationships" xmlns:p="http://schemas.openxmlformats.org/presentationml/2006/main">
+  <p:cSld>
+    <p:spTree>
+      <p:nvGrpSpPr>
+        <p:cNvPr id="1" name=""/>
+        <p:cNvGrpSpPr/>
+        <p:nvPr/>
+      </p:nvGrpSpPr>
+      <p:grpSpPr>
+        <a:xfrm>
+          <a:off x="0" y="0"/>
+          <a:ext cx="0" cy="0"/>
+          <a:chOff x="0" y="0"/>
+          <a:chExt cx="0" cy="0"/>
+        </a:xfrm>
+      </p:grpSpPr>
+      <p:sp>
+        <p:nvSpPr>
+          <p:cNvPr id="3" name="Content Placeholder 2">
+            <a:extLst>
+              <a:ext uri="{FF2B5EF4-FFF2-40B4-BE49-F238E27FC236}">
+                <a16:creationId xmlns:a16="http://schemas.microsoft.com/office/drawing/2014/main" id="{26E4F456-85EC-303C-EBA4-D1A22FBDE13B}"/>
+              </a:ext>
+            </a:extLst>
+          </p:cNvPr>
+          <p:cNvSpPr>
+            <a:spLocks noGrp="1"/>
+          </p:cNvSpPr>
+          <p:nvPr>
+            <p:ph idx="1"/>
+          </p:nvPr>
+        </p:nvSpPr>
+        <p:spPr>
+          <a:xfrm>
+            <a:off x="483268" y="2187574"/>
+            <a:ext cx="11225463" cy="4351338"/>
+          </a:xfrm>
+        </p:spPr>
+        <p:txBody>
+          <a:bodyPr>
+            <a:normAutofit/>
+          </a:bodyPr>
+          <a:lstStyle/>
+          <a:p>
+            <a:r>
+              <a:rPr lang="en-US" dirty="0"/>
+              <a:t>Main Contribution – Single-image denoising in biomedical image systems</a:t>
+            </a:r>
+          </a:p>
+          <a:p>
+            <a:pPr lvl="1"/>
+            <a:r>
+              <a:rPr lang="en-US" b="1" dirty="0"/>
+              <a:t>Sparse Representation </a:t>
+            </a:r>
+            <a:r>
+              <a:rPr lang="en-US" dirty="0"/>
+              <a:t>-	 optimizes sparse representation in forward pass using Iterative Shrinkage Thresholding Algorithm (ISTA).</a:t>
+            </a:r>
+          </a:p>
+          <a:p>
+            <a:pPr lvl="1"/>
+            <a:r>
+              <a:rPr lang="en-US" b="1" dirty="0"/>
+              <a:t>Objective function </a:t>
+            </a:r>
+            <a:r>
+              <a:rPr lang="en-US" dirty="0"/>
+              <a:t>– minimize the difference between the exponential of the network output and the product of the input image and the network output. This is referred to as </a:t>
+            </a:r>
+            <a:r>
+              <a:rPr lang="en-US" dirty="0" err="1"/>
+              <a:t>LPoisson</a:t>
+            </a:r>
+            <a:r>
+              <a:rPr lang="en-US" dirty="0"/>
+              <a:t> in the paper.</a:t>
+            </a:r>
+          </a:p>
+          <a:p>
+            <a:pPr lvl="1"/>
+            <a:r>
+              <a:rPr lang="en-US" b="1" dirty="0"/>
+              <a:t>Poisson2Sparse Training </a:t>
+            </a:r>
+            <a:r>
+              <a:rPr lang="en-US" dirty="0"/>
+              <a:t>– Trained using random neighbor down-sampling. It creates image pairs that are similar in appearance but are slightly different in terms of the ground truth pixels and then tries to minimize the loss function for these pairs.</a:t>
+            </a:r>
+          </a:p>
+          <a:p>
+            <a:pPr lvl="1"/>
+            <a:r>
+              <a:rPr lang="en-US" b="1" dirty="0" err="1"/>
+              <a:t>Regularizer</a:t>
+            </a:r>
+            <a:r>
+              <a:rPr lang="en-US" dirty="0"/>
+              <a:t> – to avoid blurry images </a:t>
+            </a:r>
+            <a:r>
+              <a:rPr lang="en-US" dirty="0" err="1"/>
+              <a:t>regularizer</a:t>
+            </a:r>
+            <a:r>
+              <a:rPr lang="en-US" dirty="0"/>
+              <a:t> is introduced which calculates the difference between network output and down-sampled input image pairs</a:t>
+            </a:r>
+          </a:p>
+        </p:txBody>
+      </p:sp>
+      <p:sp>
+        <p:nvSpPr>
+          <p:cNvPr id="4" name="TextBox 3">
+            <a:extLst>
+              <a:ext uri="{FF2B5EF4-FFF2-40B4-BE49-F238E27FC236}">
+                <a16:creationId xmlns:a16="http://schemas.microsoft.com/office/drawing/2014/main" id="{32434F6E-7FE6-8A51-754B-0FCB91379D63}"/>
+              </a:ext>
+            </a:extLst>
+          </p:cNvPr>
+          <p:cNvSpPr txBox="1"/>
+          <p:nvPr/>
+        </p:nvSpPr>
+        <p:spPr>
+          <a:xfrm>
+            <a:off x="6741230" y="1506022"/>
+            <a:ext cx="1155957" cy="369332"/>
+          </a:xfrm>
+          <a:prstGeom prst="rect">
+            <a:avLst/>
+          </a:prstGeom>
+          <a:noFill/>
+        </p:spPr>
+        <p:txBody>
+          <a:bodyPr wrap="none" rtlCol="0">
+            <a:spAutoFit/>
+          </a:bodyPr>
+          <a:lstStyle/>
+          <a:p>
+            <a:r>
+              <a:rPr lang="en-US" u="sng" dirty="0">
+                <a:hlinkClick r:id="rId2"/>
+              </a:rPr>
+              <a:t>Paper Link</a:t>
+            </a:r>
+            <a:endParaRPr lang="en-US" u="sng" dirty="0"/>
+          </a:p>
+        </p:txBody>
+      </p:sp>
+      <p:sp>
+        <p:nvSpPr>
+          <p:cNvPr id="6" name="Slide Number Placeholder 5">
+            <a:extLst>
+              <a:ext uri="{FF2B5EF4-FFF2-40B4-BE49-F238E27FC236}">
+                <a16:creationId xmlns:a16="http://schemas.microsoft.com/office/drawing/2014/main" id="{C58F4DBE-E902-6F48-505F-97718A640024}"/>
+              </a:ext>
+            </a:extLst>
+          </p:cNvPr>
+          <p:cNvSpPr>
+            <a:spLocks noGrp="1"/>
+          </p:cNvSpPr>
+          <p:nvPr>
+            <p:ph type="sldNum" sz="quarter" idx="12"/>
+          </p:nvPr>
+        </p:nvSpPr>
+        <p:spPr/>
+        <p:txBody>
+          <a:bodyPr/>
+          <a:lstStyle/>
+          <a:p>
+            <a:fld id="{8675CED3-2DE4-4D00-9C8D-51B9A2902944}" type="slidenum">
+              <a:rPr lang="en-US" smtClean="0"/>
+              <a:t>20</a:t>
+            </a:fld>
+            <a:endParaRPr lang="en-US"/>
+          </a:p>
+        </p:txBody>
+      </p:sp>
+      <p:sp>
+        <p:nvSpPr>
+          <p:cNvPr id="5" name="TextBox 4">
+            <a:extLst>
+              <a:ext uri="{FF2B5EF4-FFF2-40B4-BE49-F238E27FC236}">
+                <a16:creationId xmlns:a16="http://schemas.microsoft.com/office/drawing/2014/main" id="{4DA0C051-21BE-D84F-D6D3-56223340072B}"/>
+              </a:ext>
+            </a:extLst>
+          </p:cNvPr>
+          <p:cNvSpPr txBox="1"/>
+          <p:nvPr/>
+        </p:nvSpPr>
+        <p:spPr>
+          <a:xfrm>
+            <a:off x="96254" y="108453"/>
+            <a:ext cx="346570" cy="477054"/>
+          </a:xfrm>
+          <a:prstGeom prst="rect">
+            <a:avLst/>
+          </a:prstGeom>
+          <a:noFill/>
+        </p:spPr>
+        <p:txBody>
+          <a:bodyPr wrap="none" rtlCol="0">
+            <a:spAutoFit/>
+          </a:bodyPr>
+          <a:lstStyle/>
+          <a:p>
+            <a:r>
+              <a:rPr lang="en-US" sz="2500" dirty="0"/>
+              <a:t>7</a:t>
+            </a:r>
+          </a:p>
+        </p:txBody>
+      </p:sp>
+      <p:sp>
+        <p:nvSpPr>
+          <p:cNvPr id="9" name="Title 1">
+            <a:extLst>
+              <a:ext uri="{FF2B5EF4-FFF2-40B4-BE49-F238E27FC236}">
+                <a16:creationId xmlns:a16="http://schemas.microsoft.com/office/drawing/2014/main" id="{CA99D13F-A58B-643E-66AB-D7349C59BABB}"/>
+              </a:ext>
+            </a:extLst>
+          </p:cNvPr>
+          <p:cNvSpPr>
+            <a:spLocks noGrp="1"/>
+          </p:cNvSpPr>
+          <p:nvPr>
+            <p:ph type="title"/>
+          </p:nvPr>
+        </p:nvSpPr>
+        <p:spPr>
+          <a:xfrm>
+            <a:off x="838200" y="365125"/>
+            <a:ext cx="10515600" cy="1325563"/>
+          </a:xfrm>
+        </p:spPr>
+        <p:txBody>
+          <a:bodyPr>
+            <a:normAutofit fontScale="90000"/>
+          </a:bodyPr>
+          <a:lstStyle/>
+          <a:p>
+            <a:pPr algn="ctr"/>
+            <a:r>
+              <a:rPr lang="en-US" sz="3600" dirty="0"/>
+              <a:t>Poisson2Sparse: Self-Supervised</a:t>
+            </a:r>
+            <a:br>
+              <a:rPr lang="en-US" sz="3600" dirty="0"/>
+            </a:br>
+            <a:r>
+              <a:rPr lang="en-US" sz="3600" dirty="0"/>
+              <a:t>Poisson Denoising From a Single Image</a:t>
+            </a:r>
+            <a:br>
+              <a:rPr lang="en-US" sz="3600" dirty="0"/>
+            </a:br>
+            <a:r>
+              <a:rPr lang="en-US" sz="1800" dirty="0"/>
+              <a:t>MICCAI – 2022</a:t>
+            </a:r>
+            <a:br>
+              <a:rPr lang="en-US" sz="1800" dirty="0"/>
+            </a:br>
+            <a:r>
+              <a:rPr lang="en-US" sz="1800" dirty="0"/>
+              <a:t>June 2022</a:t>
+            </a:r>
+            <a:endParaRPr lang="en-US" sz="2200" dirty="0"/>
+          </a:p>
+        </p:txBody>
+      </p:sp>
+    </p:spTree>
+    <p:extLst>
+      <p:ext uri="{BB962C8B-B14F-4D97-AF65-F5344CB8AC3E}">
+        <p14:creationId xmlns:p14="http://schemas.microsoft.com/office/powerpoint/2010/main" val="3002899227"/>
+      </p:ext>
+    </p:extLst>
+  </p:cSld>
+  <p:clrMapOvr>
+    <a:masterClrMapping/>
+  </p:clrMapOvr>
+</p:sld>
+</file>
+
+<file path=ppt/slides/slide21.xml><?xml version="1.0" encoding="utf-8"?>
+<p:sld xmlns:a="http://schemas.openxmlformats.org/drawingml/2006/main" xmlns:r="http://schemas.openxmlformats.org/officeDocument/2006/relationships" xmlns:p="http://schemas.openxmlformats.org/presentationml/2006/main">
+  <p:cSld>
+    <p:spTree>
+      <p:nvGrpSpPr>
+        <p:cNvPr id="1" name=""/>
+        <p:cNvGrpSpPr/>
+        <p:nvPr/>
+      </p:nvGrpSpPr>
+      <p:grpSpPr>
+        <a:xfrm>
+          <a:off x="0" y="0"/>
+          <a:ext cx="0" cy="0"/>
+          <a:chOff x="0" y="0"/>
+          <a:chExt cx="0" cy="0"/>
+        </a:xfrm>
+      </p:grpSpPr>
+      <p:sp>
+        <p:nvSpPr>
+          <p:cNvPr id="2" name="Title 1">
+            <a:extLst>
+              <a:ext uri="{FF2B5EF4-FFF2-40B4-BE49-F238E27FC236}">
+                <a16:creationId xmlns:a16="http://schemas.microsoft.com/office/drawing/2014/main" id="{309E7621-D85E-4200-BF64-A166C80B4A5F}"/>
+              </a:ext>
+            </a:extLst>
+          </p:cNvPr>
+          <p:cNvSpPr>
+            <a:spLocks noGrp="1"/>
+          </p:cNvSpPr>
+          <p:nvPr>
+            <p:ph type="title"/>
+          </p:nvPr>
+        </p:nvSpPr>
+        <p:spPr/>
+        <p:txBody>
+          <a:bodyPr>
+            <a:normAutofit fontScale="90000"/>
+          </a:bodyPr>
+          <a:lstStyle/>
+          <a:p>
+            <a:pPr algn="ctr"/>
+            <a:r>
+              <a:rPr lang="en-US" sz="3600" dirty="0"/>
+              <a:t>Poisson2Sparse: Self-Supervised</a:t>
+            </a:r>
+            <a:br>
+              <a:rPr lang="en-US" sz="3600" dirty="0"/>
+            </a:br>
+            <a:r>
+              <a:rPr lang="en-US" sz="3600" dirty="0"/>
+              <a:t>Poisson Denoising From a Single Image</a:t>
+            </a:r>
+            <a:br>
+              <a:rPr lang="en-US" sz="3600" dirty="0"/>
+            </a:br>
+            <a:r>
+              <a:rPr lang="en-US" sz="1800" dirty="0"/>
+              <a:t>MICCAI – 2022</a:t>
+            </a:r>
+            <a:br>
+              <a:rPr lang="en-US" sz="1800" dirty="0"/>
+            </a:br>
+            <a:r>
+              <a:rPr lang="en-US" sz="1800" dirty="0"/>
+              <a:t>June 2022</a:t>
+            </a:r>
+            <a:endParaRPr lang="en-US" sz="2200" dirty="0"/>
+          </a:p>
+        </p:txBody>
+      </p:sp>
+      <p:sp>
+        <p:nvSpPr>
+          <p:cNvPr id="9" name="Slide Number Placeholder 8">
+            <a:extLst>
+              <a:ext uri="{FF2B5EF4-FFF2-40B4-BE49-F238E27FC236}">
+                <a16:creationId xmlns:a16="http://schemas.microsoft.com/office/drawing/2014/main" id="{44A65774-2304-39B1-2BAC-23F7AEB918A1}"/>
+              </a:ext>
+            </a:extLst>
+          </p:cNvPr>
+          <p:cNvSpPr>
+            <a:spLocks noGrp="1"/>
+          </p:cNvSpPr>
+          <p:nvPr>
+            <p:ph type="sldNum" sz="quarter" idx="12"/>
+          </p:nvPr>
+        </p:nvSpPr>
+        <p:spPr/>
+        <p:txBody>
+          <a:bodyPr/>
+          <a:lstStyle/>
+          <a:p>
+            <a:fld id="{8675CED3-2DE4-4D00-9C8D-51B9A2902944}" type="slidenum">
+              <a:rPr lang="en-US" smtClean="0"/>
+              <a:t>21</a:t>
+            </a:fld>
+            <a:endParaRPr lang="en-US"/>
+          </a:p>
+        </p:txBody>
+      </p:sp>
+      <p:sp>
+        <p:nvSpPr>
+          <p:cNvPr id="13" name="TextBox 12">
+            <a:extLst>
+              <a:ext uri="{FF2B5EF4-FFF2-40B4-BE49-F238E27FC236}">
+                <a16:creationId xmlns:a16="http://schemas.microsoft.com/office/drawing/2014/main" id="{9735FF99-CCB2-AB4E-805B-CCA83F938111}"/>
+              </a:ext>
+            </a:extLst>
+          </p:cNvPr>
+          <p:cNvSpPr txBox="1"/>
+          <p:nvPr/>
+        </p:nvSpPr>
+        <p:spPr>
+          <a:xfrm>
+            <a:off x="96254" y="108453"/>
+            <a:ext cx="346570" cy="477054"/>
+          </a:xfrm>
+          <a:prstGeom prst="rect">
+            <a:avLst/>
+          </a:prstGeom>
+          <a:noFill/>
+        </p:spPr>
+        <p:txBody>
+          <a:bodyPr wrap="none" rtlCol="0">
+            <a:spAutoFit/>
+          </a:bodyPr>
+          <a:lstStyle/>
+          <a:p>
+            <a:r>
+              <a:rPr lang="en-US" sz="2500" dirty="0"/>
+              <a:t>7</a:t>
+            </a:r>
+          </a:p>
+        </p:txBody>
+      </p:sp>
+      <p:sp>
+        <p:nvSpPr>
+          <p:cNvPr id="3" name="TextBox 2">
+            <a:extLst>
+              <a:ext uri="{FF2B5EF4-FFF2-40B4-BE49-F238E27FC236}">
+                <a16:creationId xmlns:a16="http://schemas.microsoft.com/office/drawing/2014/main" id="{D5CEB09D-02B6-C5EC-377B-D7DEECAEA9A9}"/>
+              </a:ext>
+            </a:extLst>
+          </p:cNvPr>
+          <p:cNvSpPr txBox="1"/>
+          <p:nvPr/>
+        </p:nvSpPr>
+        <p:spPr>
+          <a:xfrm>
+            <a:off x="6741230" y="1506022"/>
+            <a:ext cx="1155957" cy="369332"/>
+          </a:xfrm>
+          <a:prstGeom prst="rect">
+            <a:avLst/>
+          </a:prstGeom>
+          <a:noFill/>
+        </p:spPr>
+        <p:txBody>
+          <a:bodyPr wrap="none" rtlCol="0">
+            <a:spAutoFit/>
+          </a:bodyPr>
+          <a:lstStyle/>
+          <a:p>
+            <a:r>
+              <a:rPr lang="en-US" u="sng" dirty="0">
+                <a:hlinkClick r:id="rId2"/>
+              </a:rPr>
+              <a:t>Paper Link</a:t>
+            </a:r>
+            <a:endParaRPr lang="en-US" u="sng" dirty="0"/>
+          </a:p>
+        </p:txBody>
+      </p:sp>
+      <p:pic>
+        <p:nvPicPr>
+          <p:cNvPr id="6" name="Picture 5">
+            <a:extLst>
+              <a:ext uri="{FF2B5EF4-FFF2-40B4-BE49-F238E27FC236}">
+                <a16:creationId xmlns:a16="http://schemas.microsoft.com/office/drawing/2014/main" id="{84696BE3-C0C5-C39D-A412-691A57E562C2}"/>
+              </a:ext>
+            </a:extLst>
+          </p:cNvPr>
+          <p:cNvPicPr>
+            <a:picLocks noChangeAspect="1"/>
+          </p:cNvPicPr>
+          <p:nvPr/>
+        </p:nvPicPr>
+        <p:blipFill>
+          <a:blip r:embed="rId3"/>
+          <a:stretch>
+            <a:fillRect/>
+          </a:stretch>
+        </p:blipFill>
+        <p:spPr>
+          <a:xfrm>
+            <a:off x="1708333" y="1875354"/>
+            <a:ext cx="8775334" cy="4441306"/>
+          </a:xfrm>
+          <a:prstGeom prst="rect">
+            <a:avLst/>
+          </a:prstGeom>
+        </p:spPr>
+      </p:pic>
+    </p:spTree>
+    <p:extLst>
+      <p:ext uri="{BB962C8B-B14F-4D97-AF65-F5344CB8AC3E}">
+        <p14:creationId xmlns:p14="http://schemas.microsoft.com/office/powerpoint/2010/main" val="307834874"/>
+      </p:ext>
+    </p:extLst>
+  </p:cSld>
+  <p:clrMapOvr>
+    <a:masterClrMapping/>
+  </p:clrMapOvr>
+</p:sld>
+</file>
+
+<file path=ppt/slides/slide22.xml><?xml version="1.0" encoding="utf-8"?>
+<p:sld xmlns:a="http://schemas.openxmlformats.org/drawingml/2006/main" xmlns:r="http://schemas.openxmlformats.org/officeDocument/2006/relationships" xmlns:p="http://schemas.openxmlformats.org/presentationml/2006/main">
+  <p:cSld>
+    <p:spTree>
+      <p:nvGrpSpPr>
+        <p:cNvPr id="1" name=""/>
+        <p:cNvGrpSpPr/>
+        <p:nvPr/>
+      </p:nvGrpSpPr>
+      <p:grpSpPr>
+        <a:xfrm>
+          <a:off x="0" y="0"/>
+          <a:ext cx="0" cy="0"/>
+          <a:chOff x="0" y="0"/>
+          <a:chExt cx="0" cy="0"/>
+        </a:xfrm>
+      </p:grpSpPr>
+      <p:sp>
+        <p:nvSpPr>
+          <p:cNvPr id="2" name="Title 1">
+            <a:extLst>
+              <a:ext uri="{FF2B5EF4-FFF2-40B4-BE49-F238E27FC236}">
+                <a16:creationId xmlns:a16="http://schemas.microsoft.com/office/drawing/2014/main" id="{309E7621-D85E-4200-BF64-A166C80B4A5F}"/>
+              </a:ext>
+            </a:extLst>
+          </p:cNvPr>
+          <p:cNvSpPr>
+            <a:spLocks noGrp="1"/>
+          </p:cNvSpPr>
+          <p:nvPr>
+            <p:ph type="title"/>
+          </p:nvPr>
+        </p:nvSpPr>
+        <p:spPr/>
+        <p:txBody>
+          <a:bodyPr>
+            <a:normAutofit fontScale="90000"/>
+          </a:bodyPr>
+          <a:lstStyle/>
+          <a:p>
+            <a:pPr algn="ctr"/>
+            <a:r>
+              <a:rPr lang="en-US" sz="3600" dirty="0"/>
+              <a:t>Poisson2Sparse: Self-Supervised</a:t>
+            </a:r>
+            <a:br>
+              <a:rPr lang="en-US" sz="3600" dirty="0"/>
+            </a:br>
+            <a:r>
+              <a:rPr lang="en-US" sz="3600" dirty="0"/>
+              <a:t>Poisson Denoising From a Single Image</a:t>
+            </a:r>
+            <a:br>
+              <a:rPr lang="en-US" sz="3600" dirty="0"/>
+            </a:br>
+            <a:r>
+              <a:rPr lang="en-US" sz="1800" dirty="0"/>
+              <a:t>MICCAI – 2022</a:t>
+            </a:r>
+            <a:br>
+              <a:rPr lang="en-US" sz="1800" dirty="0"/>
+            </a:br>
+            <a:r>
+              <a:rPr lang="en-US" sz="1800" dirty="0"/>
+              <a:t>June 2022</a:t>
+            </a:r>
+            <a:endParaRPr lang="en-US" sz="2200" dirty="0"/>
+          </a:p>
+        </p:txBody>
+      </p:sp>
+      <p:sp>
+        <p:nvSpPr>
+          <p:cNvPr id="3" name="Content Placeholder 2">
+            <a:extLst>
+              <a:ext uri="{FF2B5EF4-FFF2-40B4-BE49-F238E27FC236}">
+                <a16:creationId xmlns:a16="http://schemas.microsoft.com/office/drawing/2014/main" id="{26E4F456-85EC-303C-EBA4-D1A22FBDE13B}"/>
+              </a:ext>
+            </a:extLst>
+          </p:cNvPr>
+          <p:cNvSpPr>
+            <a:spLocks noGrp="1"/>
+          </p:cNvSpPr>
+          <p:nvPr>
+            <p:ph idx="1"/>
+          </p:nvPr>
+        </p:nvSpPr>
+        <p:spPr/>
+        <p:txBody>
+          <a:bodyPr/>
+          <a:lstStyle/>
+          <a:p>
+            <a:r>
+              <a:rPr lang="en-US" dirty="0"/>
+              <a:t>Results</a:t>
+            </a:r>
+          </a:p>
+        </p:txBody>
+      </p:sp>
+      <p:sp>
+        <p:nvSpPr>
+          <p:cNvPr id="9" name="Slide Number Placeholder 8">
+            <a:extLst>
+              <a:ext uri="{FF2B5EF4-FFF2-40B4-BE49-F238E27FC236}">
+                <a16:creationId xmlns:a16="http://schemas.microsoft.com/office/drawing/2014/main" id="{A594C463-6E5C-B774-177F-AB0852C2F1BA}"/>
+              </a:ext>
+            </a:extLst>
+          </p:cNvPr>
+          <p:cNvSpPr>
+            <a:spLocks noGrp="1"/>
+          </p:cNvSpPr>
+          <p:nvPr>
+            <p:ph type="sldNum" sz="quarter" idx="12"/>
+          </p:nvPr>
+        </p:nvSpPr>
+        <p:spPr/>
+        <p:txBody>
+          <a:bodyPr/>
+          <a:lstStyle/>
+          <a:p>
+            <a:fld id="{8675CED3-2DE4-4D00-9C8D-51B9A2902944}" type="slidenum">
+              <a:rPr lang="en-US" smtClean="0"/>
+              <a:t>22</a:t>
+            </a:fld>
+            <a:endParaRPr lang="en-US"/>
+          </a:p>
+        </p:txBody>
+      </p:sp>
+      <p:sp>
+        <p:nvSpPr>
+          <p:cNvPr id="12" name="TextBox 11">
+            <a:extLst>
+              <a:ext uri="{FF2B5EF4-FFF2-40B4-BE49-F238E27FC236}">
+                <a16:creationId xmlns:a16="http://schemas.microsoft.com/office/drawing/2014/main" id="{F62D6CF2-C5C2-6053-AFD8-AAFE44D610C2}"/>
+              </a:ext>
+            </a:extLst>
+          </p:cNvPr>
+          <p:cNvSpPr txBox="1"/>
+          <p:nvPr/>
+        </p:nvSpPr>
+        <p:spPr>
+          <a:xfrm>
+            <a:off x="96254" y="108453"/>
+            <a:ext cx="346570" cy="477054"/>
+          </a:xfrm>
+          <a:prstGeom prst="rect">
+            <a:avLst/>
+          </a:prstGeom>
+          <a:noFill/>
+        </p:spPr>
+        <p:txBody>
+          <a:bodyPr wrap="none" rtlCol="0">
+            <a:spAutoFit/>
+          </a:bodyPr>
+          <a:lstStyle/>
+          <a:p>
+            <a:r>
+              <a:rPr lang="en-US" sz="2500" dirty="0"/>
+              <a:t>7</a:t>
+            </a:r>
+          </a:p>
+        </p:txBody>
+      </p:sp>
+      <p:sp>
+        <p:nvSpPr>
+          <p:cNvPr id="4" name="TextBox 3">
+            <a:extLst>
+              <a:ext uri="{FF2B5EF4-FFF2-40B4-BE49-F238E27FC236}">
+                <a16:creationId xmlns:a16="http://schemas.microsoft.com/office/drawing/2014/main" id="{71418E42-1163-2DBA-9A7C-58D04F690DA8}"/>
+              </a:ext>
+            </a:extLst>
+          </p:cNvPr>
+          <p:cNvSpPr txBox="1"/>
+          <p:nvPr/>
+        </p:nvSpPr>
+        <p:spPr>
+          <a:xfrm>
+            <a:off x="6741230" y="1506022"/>
+            <a:ext cx="1155957" cy="369332"/>
+          </a:xfrm>
+          <a:prstGeom prst="rect">
+            <a:avLst/>
+          </a:prstGeom>
+          <a:noFill/>
+        </p:spPr>
+        <p:txBody>
+          <a:bodyPr wrap="none" rtlCol="0">
+            <a:spAutoFit/>
+          </a:bodyPr>
+          <a:lstStyle/>
+          <a:p>
+            <a:r>
+              <a:rPr lang="en-US" u="sng" dirty="0">
+                <a:hlinkClick r:id="rId2"/>
+              </a:rPr>
+              <a:t>Paper Link</a:t>
+            </a:r>
+            <a:endParaRPr lang="en-US" u="sng" dirty="0"/>
+          </a:p>
+        </p:txBody>
+      </p:sp>
+      <p:pic>
+        <p:nvPicPr>
+          <p:cNvPr id="7" name="Picture 6">
+            <a:extLst>
+              <a:ext uri="{FF2B5EF4-FFF2-40B4-BE49-F238E27FC236}">
+                <a16:creationId xmlns:a16="http://schemas.microsoft.com/office/drawing/2014/main" id="{1CBE43BE-781D-CABA-C3F8-720E5A48C86A}"/>
+              </a:ext>
+            </a:extLst>
+          </p:cNvPr>
+          <p:cNvPicPr>
+            <a:picLocks noChangeAspect="1"/>
+          </p:cNvPicPr>
+          <p:nvPr/>
+        </p:nvPicPr>
+        <p:blipFill>
+          <a:blip r:embed="rId3"/>
+          <a:stretch>
+            <a:fillRect/>
+          </a:stretch>
+        </p:blipFill>
+        <p:spPr>
+          <a:xfrm>
+            <a:off x="2417699" y="1870075"/>
+            <a:ext cx="7356601" cy="4736318"/>
+          </a:xfrm>
+          <a:prstGeom prst="rect">
+            <a:avLst/>
+          </a:prstGeom>
+        </p:spPr>
+      </p:pic>
+    </p:spTree>
+    <p:extLst>
+      <p:ext uri="{BB962C8B-B14F-4D97-AF65-F5344CB8AC3E}">
+        <p14:creationId xmlns:p14="http://schemas.microsoft.com/office/powerpoint/2010/main" val="2192847838"/>
       </p:ext>
     </p:extLst>
   </p:cSld>
@@ -4389,6 +7632,41 @@
               <a:t>3</a:t>
             </a:fld>
             <a:endParaRPr lang="en-US"/>
+          </a:p>
+        </p:txBody>
+      </p:sp>
+      <p:sp>
+        <p:nvSpPr>
+          <p:cNvPr id="5" name="TextBox 4">
+            <a:extLst>
+              <a:ext uri="{FF2B5EF4-FFF2-40B4-BE49-F238E27FC236}">
+                <a16:creationId xmlns:a16="http://schemas.microsoft.com/office/drawing/2014/main" id="{9FED45B9-F888-CD2C-9F76-686D6266F6A6}"/>
+              </a:ext>
+            </a:extLst>
+          </p:cNvPr>
+          <p:cNvSpPr txBox="1"/>
+          <p:nvPr/>
+        </p:nvSpPr>
+        <p:spPr>
+          <a:xfrm>
+            <a:off x="96254" y="108453"/>
+            <a:ext cx="346570" cy="477054"/>
+          </a:xfrm>
+          <a:prstGeom prst="rect">
+            <a:avLst/>
+          </a:prstGeom>
+          <a:noFill/>
+        </p:spPr>
+        <p:txBody>
+          <a:bodyPr wrap="none" rtlCol="0">
+            <a:spAutoFit/>
+          </a:bodyPr>
+          <a:lstStyle/>
+          <a:p>
+            <a:r>
+              <a:rPr lang="en-US" sz="2500" dirty="0"/>
+              <a:t>1</a:t>
+            </a:r>
           </a:p>
         </p:txBody>
       </p:sp>
@@ -4633,6 +7911,41 @@
           </a:p>
         </p:txBody>
       </p:sp>
+      <p:sp>
+        <p:nvSpPr>
+          <p:cNvPr id="4" name="TextBox 3">
+            <a:extLst>
+              <a:ext uri="{FF2B5EF4-FFF2-40B4-BE49-F238E27FC236}">
+                <a16:creationId xmlns:a16="http://schemas.microsoft.com/office/drawing/2014/main" id="{41AF9E15-13B1-C7E3-CB0A-84D05A081E66}"/>
+              </a:ext>
+            </a:extLst>
+          </p:cNvPr>
+          <p:cNvSpPr txBox="1"/>
+          <p:nvPr/>
+        </p:nvSpPr>
+        <p:spPr>
+          <a:xfrm>
+            <a:off x="96254" y="108453"/>
+            <a:ext cx="346570" cy="477054"/>
+          </a:xfrm>
+          <a:prstGeom prst="rect">
+            <a:avLst/>
+          </a:prstGeom>
+          <a:noFill/>
+        </p:spPr>
+        <p:txBody>
+          <a:bodyPr wrap="none" rtlCol="0">
+            <a:spAutoFit/>
+          </a:bodyPr>
+          <a:lstStyle/>
+          <a:p>
+            <a:r>
+              <a:rPr lang="en-US" sz="2500" dirty="0"/>
+              <a:t>1</a:t>
+            </a:r>
+          </a:p>
+        </p:txBody>
+      </p:sp>
     </p:spTree>
     <p:extLst>
       <p:ext uri="{BB962C8B-B14F-4D97-AF65-F5344CB8AC3E}">
@@ -4831,6 +8144,41 @@
           </a:p>
         </p:txBody>
       </p:sp>
+      <p:sp>
+        <p:nvSpPr>
+          <p:cNvPr id="5" name="TextBox 4">
+            <a:extLst>
+              <a:ext uri="{FF2B5EF4-FFF2-40B4-BE49-F238E27FC236}">
+                <a16:creationId xmlns:a16="http://schemas.microsoft.com/office/drawing/2014/main" id="{7A2F3CC9-C4AB-1C09-2405-226EE4227E04}"/>
+              </a:ext>
+            </a:extLst>
+          </p:cNvPr>
+          <p:cNvSpPr txBox="1"/>
+          <p:nvPr/>
+        </p:nvSpPr>
+        <p:spPr>
+          <a:xfrm>
+            <a:off x="96254" y="108453"/>
+            <a:ext cx="346570" cy="477054"/>
+          </a:xfrm>
+          <a:prstGeom prst="rect">
+            <a:avLst/>
+          </a:prstGeom>
+          <a:noFill/>
+        </p:spPr>
+        <p:txBody>
+          <a:bodyPr wrap="none" rtlCol="0">
+            <a:spAutoFit/>
+          </a:bodyPr>
+          <a:lstStyle/>
+          <a:p>
+            <a:r>
+              <a:rPr lang="en-US" sz="2500" dirty="0"/>
+              <a:t>2</a:t>
+            </a:r>
+          </a:p>
+        </p:txBody>
+      </p:sp>
     </p:spTree>
     <p:extLst>
       <p:ext uri="{BB962C8B-B14F-4D97-AF65-F5344CB8AC3E}">
@@ -5003,6 +8351,41 @@
           </a:p>
         </p:txBody>
       </p:sp>
+      <p:sp>
+        <p:nvSpPr>
+          <p:cNvPr id="3" name="TextBox 2">
+            <a:extLst>
+              <a:ext uri="{FF2B5EF4-FFF2-40B4-BE49-F238E27FC236}">
+                <a16:creationId xmlns:a16="http://schemas.microsoft.com/office/drawing/2014/main" id="{E305FF89-D16E-9415-EFB1-C2DE1683AA43}"/>
+              </a:ext>
+            </a:extLst>
+          </p:cNvPr>
+          <p:cNvSpPr txBox="1"/>
+          <p:nvPr/>
+        </p:nvSpPr>
+        <p:spPr>
+          <a:xfrm>
+            <a:off x="96254" y="108453"/>
+            <a:ext cx="346570" cy="477054"/>
+          </a:xfrm>
+          <a:prstGeom prst="rect">
+            <a:avLst/>
+          </a:prstGeom>
+          <a:noFill/>
+        </p:spPr>
+        <p:txBody>
+          <a:bodyPr wrap="none" rtlCol="0">
+            <a:spAutoFit/>
+          </a:bodyPr>
+          <a:lstStyle/>
+          <a:p>
+            <a:r>
+              <a:rPr lang="en-US" sz="2500" dirty="0"/>
+              <a:t>2</a:t>
+            </a:r>
+          </a:p>
+        </p:txBody>
+      </p:sp>
     </p:spTree>
     <p:extLst>
       <p:ext uri="{BB962C8B-B14F-4D97-AF65-F5344CB8AC3E}">
@@ -5254,6 +8637,41 @@
           </a:p>
         </p:txBody>
       </p:sp>
+      <p:sp>
+        <p:nvSpPr>
+          <p:cNvPr id="4" name="TextBox 3">
+            <a:extLst>
+              <a:ext uri="{FF2B5EF4-FFF2-40B4-BE49-F238E27FC236}">
+                <a16:creationId xmlns:a16="http://schemas.microsoft.com/office/drawing/2014/main" id="{16AC1128-7CD2-85DA-1148-88D93B072E4F}"/>
+              </a:ext>
+            </a:extLst>
+          </p:cNvPr>
+          <p:cNvSpPr txBox="1"/>
+          <p:nvPr/>
+        </p:nvSpPr>
+        <p:spPr>
+          <a:xfrm>
+            <a:off x="96254" y="108453"/>
+            <a:ext cx="346570" cy="477054"/>
+          </a:xfrm>
+          <a:prstGeom prst="rect">
+            <a:avLst/>
+          </a:prstGeom>
+          <a:noFill/>
+        </p:spPr>
+        <p:txBody>
+          <a:bodyPr wrap="none" rtlCol="0">
+            <a:spAutoFit/>
+          </a:bodyPr>
+          <a:lstStyle/>
+          <a:p>
+            <a:r>
+              <a:rPr lang="en-US" sz="2500" dirty="0"/>
+              <a:t>2</a:t>
+            </a:r>
+          </a:p>
+        </p:txBody>
+      </p:sp>
     </p:spTree>
     <p:extLst>
       <p:ext uri="{BB962C8B-B14F-4D97-AF65-F5344CB8AC3E}">
@@ -5471,6 +8889,41 @@
           </a:p>
         </p:txBody>
       </p:sp>
+      <p:sp>
+        <p:nvSpPr>
+          <p:cNvPr id="5" name="TextBox 4">
+            <a:extLst>
+              <a:ext uri="{FF2B5EF4-FFF2-40B4-BE49-F238E27FC236}">
+                <a16:creationId xmlns:a16="http://schemas.microsoft.com/office/drawing/2014/main" id="{E4E8CB43-6057-ED21-54E1-F208E501B075}"/>
+              </a:ext>
+            </a:extLst>
+          </p:cNvPr>
+          <p:cNvSpPr txBox="1"/>
+          <p:nvPr/>
+        </p:nvSpPr>
+        <p:spPr>
+          <a:xfrm>
+            <a:off x="96254" y="108453"/>
+            <a:ext cx="346570" cy="477054"/>
+          </a:xfrm>
+          <a:prstGeom prst="rect">
+            <a:avLst/>
+          </a:prstGeom>
+          <a:noFill/>
+        </p:spPr>
+        <p:txBody>
+          <a:bodyPr wrap="none" rtlCol="0">
+            <a:spAutoFit/>
+          </a:bodyPr>
+          <a:lstStyle/>
+          <a:p>
+            <a:r>
+              <a:rPr lang="en-US" sz="2500" dirty="0"/>
+              <a:t>3</a:t>
+            </a:r>
+          </a:p>
+        </p:txBody>
+      </p:sp>
     </p:spTree>
     <p:extLst>
       <p:ext uri="{BB962C8B-B14F-4D97-AF65-F5344CB8AC3E}">
@@ -5643,6 +9096,41 @@
           </a:prstGeom>
         </p:spPr>
       </p:pic>
+      <p:sp>
+        <p:nvSpPr>
+          <p:cNvPr id="4" name="TextBox 3">
+            <a:extLst>
+              <a:ext uri="{FF2B5EF4-FFF2-40B4-BE49-F238E27FC236}">
+                <a16:creationId xmlns:a16="http://schemas.microsoft.com/office/drawing/2014/main" id="{FA3A5A91-5F2B-CEA3-ED1B-8A9C473D829B}"/>
+              </a:ext>
+            </a:extLst>
+          </p:cNvPr>
+          <p:cNvSpPr txBox="1"/>
+          <p:nvPr/>
+        </p:nvSpPr>
+        <p:spPr>
+          <a:xfrm>
+            <a:off x="96254" y="108453"/>
+            <a:ext cx="346570" cy="477054"/>
+          </a:xfrm>
+          <a:prstGeom prst="rect">
+            <a:avLst/>
+          </a:prstGeom>
+          <a:noFill/>
+        </p:spPr>
+        <p:txBody>
+          <a:bodyPr wrap="none" rtlCol="0">
+            <a:spAutoFit/>
+          </a:bodyPr>
+          <a:lstStyle/>
+          <a:p>
+            <a:r>
+              <a:rPr lang="en-US" sz="2500" dirty="0"/>
+              <a:t>3</a:t>
+            </a:r>
+          </a:p>
+        </p:txBody>
+      </p:sp>
     </p:spTree>
     <p:extLst>
       <p:ext uri="{BB962C8B-B14F-4D97-AF65-F5344CB8AC3E}">
